--- a/Team_MPG 1.pptx
+++ b/Team_MPG 1.pptx
@@ -10,8 +10,11 @@
     <p:sldId id="258" r:id="rId4"/>
     <p:sldId id="259" r:id="rId5"/>
     <p:sldId id="260" r:id="rId6"/>
-    <p:sldId id="261" r:id="rId7"/>
-    <p:sldId id="262" r:id="rId8"/>
+    <p:sldId id="263" r:id="rId7"/>
+    <p:sldId id="265" r:id="rId8"/>
+    <p:sldId id="261" r:id="rId9"/>
+    <p:sldId id="262" r:id="rId10"/>
+    <p:sldId id="264" r:id="rId11"/>
   </p:sldIdLst>
   <p:sldSz cx="12192000" cy="6858000"/>
   <p:notesSz cx="6858000" cy="9144000"/>
@@ -255,7 +258,7 @@
           <a:p>
             <a:fld id="{BB8B9D5A-51CD-4068-9D3E-C15C4F5CA8E3}" type="datetimeFigureOut">
               <a:rPr lang="en-US" smtClean="0"/>
-              <a:t>3/17/2025</a:t>
+              <a:t>3/18/2025</a:t>
             </a:fld>
             <a:endParaRPr lang="en-US"/>
           </a:p>
@@ -297,7 +300,7 @@
           <a:p>
             <a:fld id="{516F1398-8C6A-4772-A1E8-0D05CDA7C0EE}" type="slidenum">
               <a:rPr lang="en-US" smtClean="0"/>
-              <a:t>‹Nº›</a:t>
+              <a:t>‹#›</a:t>
             </a:fld>
             <a:endParaRPr lang="en-US"/>
           </a:p>
@@ -423,7 +426,7 @@
           <a:p>
             <a:fld id="{BB8B9D5A-51CD-4068-9D3E-C15C4F5CA8E3}" type="datetimeFigureOut">
               <a:rPr lang="en-US" smtClean="0"/>
-              <a:t>3/17/2025</a:t>
+              <a:t>3/18/2025</a:t>
             </a:fld>
             <a:endParaRPr lang="en-US"/>
           </a:p>
@@ -465,7 +468,7 @@
           <a:p>
             <a:fld id="{516F1398-8C6A-4772-A1E8-0D05CDA7C0EE}" type="slidenum">
               <a:rPr lang="en-US" smtClean="0"/>
-              <a:t>‹Nº›</a:t>
+              <a:t>‹#›</a:t>
             </a:fld>
             <a:endParaRPr lang="en-US"/>
           </a:p>
@@ -601,7 +604,7 @@
           <a:p>
             <a:fld id="{BB8B9D5A-51CD-4068-9D3E-C15C4F5CA8E3}" type="datetimeFigureOut">
               <a:rPr lang="en-US" smtClean="0"/>
-              <a:t>3/17/2025</a:t>
+              <a:t>3/18/2025</a:t>
             </a:fld>
             <a:endParaRPr lang="en-US"/>
           </a:p>
@@ -643,7 +646,7 @@
           <a:p>
             <a:fld id="{516F1398-8C6A-4772-A1E8-0D05CDA7C0EE}" type="slidenum">
               <a:rPr lang="en-US" smtClean="0"/>
-              <a:t>‹Nº›</a:t>
+              <a:t>‹#›</a:t>
             </a:fld>
             <a:endParaRPr lang="en-US"/>
           </a:p>
@@ -769,7 +772,7 @@
           <a:p>
             <a:fld id="{BB8B9D5A-51CD-4068-9D3E-C15C4F5CA8E3}" type="datetimeFigureOut">
               <a:rPr lang="en-US" smtClean="0"/>
-              <a:t>3/17/2025</a:t>
+              <a:t>3/18/2025</a:t>
             </a:fld>
             <a:endParaRPr lang="en-US"/>
           </a:p>
@@ -811,7 +814,7 @@
           <a:p>
             <a:fld id="{516F1398-8C6A-4772-A1E8-0D05CDA7C0EE}" type="slidenum">
               <a:rPr lang="en-US" smtClean="0"/>
-              <a:t>‹Nº›</a:t>
+              <a:t>‹#›</a:t>
             </a:fld>
             <a:endParaRPr lang="en-US"/>
           </a:p>
@@ -1014,7 +1017,7 @@
           <a:p>
             <a:fld id="{BB8B9D5A-51CD-4068-9D3E-C15C4F5CA8E3}" type="datetimeFigureOut">
               <a:rPr lang="en-US" smtClean="0"/>
-              <a:t>3/17/2025</a:t>
+              <a:t>3/18/2025</a:t>
             </a:fld>
             <a:endParaRPr lang="en-US"/>
           </a:p>
@@ -1056,7 +1059,7 @@
           <a:p>
             <a:fld id="{516F1398-8C6A-4772-A1E8-0D05CDA7C0EE}" type="slidenum">
               <a:rPr lang="en-US" smtClean="0"/>
-              <a:t>‹Nº›</a:t>
+              <a:t>‹#›</a:t>
             </a:fld>
             <a:endParaRPr lang="en-US"/>
           </a:p>
@@ -1243,7 +1246,7 @@
           <a:p>
             <a:fld id="{BB8B9D5A-51CD-4068-9D3E-C15C4F5CA8E3}" type="datetimeFigureOut">
               <a:rPr lang="en-US" smtClean="0"/>
-              <a:t>3/17/2025</a:t>
+              <a:t>3/18/2025</a:t>
             </a:fld>
             <a:endParaRPr lang="en-US"/>
           </a:p>
@@ -1285,7 +1288,7 @@
           <a:p>
             <a:fld id="{516F1398-8C6A-4772-A1E8-0D05CDA7C0EE}" type="slidenum">
               <a:rPr lang="en-US" smtClean="0"/>
-              <a:t>‹Nº›</a:t>
+              <a:t>‹#›</a:t>
             </a:fld>
             <a:endParaRPr lang="en-US"/>
           </a:p>
@@ -1607,7 +1610,7 @@
           <a:p>
             <a:fld id="{BB8B9D5A-51CD-4068-9D3E-C15C4F5CA8E3}" type="datetimeFigureOut">
               <a:rPr lang="en-US" smtClean="0"/>
-              <a:t>3/17/2025</a:t>
+              <a:t>3/18/2025</a:t>
             </a:fld>
             <a:endParaRPr lang="en-US"/>
           </a:p>
@@ -1649,7 +1652,7 @@
           <a:p>
             <a:fld id="{516F1398-8C6A-4772-A1E8-0D05CDA7C0EE}" type="slidenum">
               <a:rPr lang="en-US" smtClean="0"/>
-              <a:t>‹Nº›</a:t>
+              <a:t>‹#›</a:t>
             </a:fld>
             <a:endParaRPr lang="en-US"/>
           </a:p>
@@ -1724,7 +1727,7 @@
           <a:p>
             <a:fld id="{BB8B9D5A-51CD-4068-9D3E-C15C4F5CA8E3}" type="datetimeFigureOut">
               <a:rPr lang="en-US" smtClean="0"/>
-              <a:t>3/17/2025</a:t>
+              <a:t>3/18/2025</a:t>
             </a:fld>
             <a:endParaRPr lang="en-US"/>
           </a:p>
@@ -1766,7 +1769,7 @@
           <a:p>
             <a:fld id="{516F1398-8C6A-4772-A1E8-0D05CDA7C0EE}" type="slidenum">
               <a:rPr lang="en-US" smtClean="0"/>
-              <a:t>‹Nº›</a:t>
+              <a:t>‹#›</a:t>
             </a:fld>
             <a:endParaRPr lang="en-US"/>
           </a:p>
@@ -1819,7 +1822,7 @@
           <a:p>
             <a:fld id="{BB8B9D5A-51CD-4068-9D3E-C15C4F5CA8E3}" type="datetimeFigureOut">
               <a:rPr lang="en-US" smtClean="0"/>
-              <a:t>3/17/2025</a:t>
+              <a:t>3/18/2025</a:t>
             </a:fld>
             <a:endParaRPr lang="en-US"/>
           </a:p>
@@ -1861,7 +1864,7 @@
           <a:p>
             <a:fld id="{516F1398-8C6A-4772-A1E8-0D05CDA7C0EE}" type="slidenum">
               <a:rPr lang="en-US" smtClean="0"/>
-              <a:t>‹Nº›</a:t>
+              <a:t>‹#›</a:t>
             </a:fld>
             <a:endParaRPr lang="en-US"/>
           </a:p>
@@ -2094,7 +2097,7 @@
           <a:p>
             <a:fld id="{BB8B9D5A-51CD-4068-9D3E-C15C4F5CA8E3}" type="datetimeFigureOut">
               <a:rPr lang="en-US" smtClean="0"/>
-              <a:t>3/17/2025</a:t>
+              <a:t>3/18/2025</a:t>
             </a:fld>
             <a:endParaRPr lang="en-US"/>
           </a:p>
@@ -2136,7 +2139,7 @@
           <a:p>
             <a:fld id="{516F1398-8C6A-4772-A1E8-0D05CDA7C0EE}" type="slidenum">
               <a:rPr lang="en-US" smtClean="0"/>
-              <a:t>‹Nº›</a:t>
+              <a:t>‹#›</a:t>
             </a:fld>
             <a:endParaRPr lang="en-US"/>
           </a:p>
@@ -2346,7 +2349,7 @@
           <a:p>
             <a:fld id="{BB8B9D5A-51CD-4068-9D3E-C15C4F5CA8E3}" type="datetimeFigureOut">
               <a:rPr lang="en-US" smtClean="0"/>
-              <a:t>3/17/2025</a:t>
+              <a:t>3/18/2025</a:t>
             </a:fld>
             <a:endParaRPr lang="en-US"/>
           </a:p>
@@ -2388,7 +2391,7 @@
           <a:p>
             <a:fld id="{516F1398-8C6A-4772-A1E8-0D05CDA7C0EE}" type="slidenum">
               <a:rPr lang="en-US" smtClean="0"/>
-              <a:t>‹Nº›</a:t>
+              <a:t>‹#›</a:t>
             </a:fld>
             <a:endParaRPr lang="en-US"/>
           </a:p>
@@ -2557,7 +2560,7 @@
           <a:p>
             <a:fld id="{BB8B9D5A-51CD-4068-9D3E-C15C4F5CA8E3}" type="datetimeFigureOut">
               <a:rPr lang="en-US" smtClean="0"/>
-              <a:t>3/17/2025</a:t>
+              <a:t>3/18/2025</a:t>
             </a:fld>
             <a:endParaRPr lang="en-US"/>
           </a:p>
@@ -2635,7 +2638,7 @@
           <a:p>
             <a:fld id="{516F1398-8C6A-4772-A1E8-0D05CDA7C0EE}" type="slidenum">
               <a:rPr lang="en-US" smtClean="0"/>
-              <a:t>‹Nº›</a:t>
+              <a:t>‹#›</a:t>
             </a:fld>
             <a:endParaRPr lang="en-US"/>
           </a:p>
@@ -3261,6 +3264,183 @@
 </p:sld>
 </file>
 
+<file path=ppt/slides/slide10.xml><?xml version="1.0" encoding="utf-8"?>
+<p:sld xmlns:a="http://schemas.openxmlformats.org/drawingml/2006/main" xmlns:r="http://schemas.openxmlformats.org/officeDocument/2006/relationships" xmlns:p="http://schemas.openxmlformats.org/presentationml/2006/main">
+  <p:cSld>
+    <p:spTree>
+      <p:nvGrpSpPr>
+        <p:cNvPr id="1" name=""/>
+        <p:cNvGrpSpPr/>
+        <p:nvPr/>
+      </p:nvGrpSpPr>
+      <p:grpSpPr>
+        <a:xfrm>
+          <a:off x="0" y="0"/>
+          <a:ext cx="0" cy="0"/>
+          <a:chOff x="0" y="0"/>
+          <a:chExt cx="0" cy="0"/>
+        </a:xfrm>
+      </p:grpSpPr>
+      <p:grpSp>
+        <p:nvGrpSpPr>
+          <p:cNvPr id="11" name="Group 10"/>
+          <p:cNvGrpSpPr/>
+          <p:nvPr/>
+        </p:nvGrpSpPr>
+        <p:grpSpPr>
+          <a:xfrm>
+            <a:off x="0" y="0"/>
+            <a:ext cx="12192000" cy="1089891"/>
+            <a:chOff x="0" y="0"/>
+            <a:chExt cx="12192000" cy="1089891"/>
+          </a:xfrm>
+        </p:grpSpPr>
+        <p:sp>
+          <p:nvSpPr>
+            <p:cNvPr id="12" name="Rectangle 11"/>
+            <p:cNvSpPr/>
+            <p:nvPr/>
+          </p:nvSpPr>
+          <p:spPr>
+            <a:xfrm>
+              <a:off x="0" y="0"/>
+              <a:ext cx="12192000" cy="1089891"/>
+            </a:xfrm>
+            <a:prstGeom prst="rect">
+              <a:avLst/>
+            </a:prstGeom>
+            <a:solidFill>
+              <a:srgbClr val="84C6B8"/>
+            </a:solidFill>
+            <a:ln>
+              <a:noFill/>
+            </a:ln>
+          </p:spPr>
+          <p:style>
+            <a:lnRef idx="2">
+              <a:schemeClr val="accent1">
+                <a:shade val="50000"/>
+              </a:schemeClr>
+            </a:lnRef>
+            <a:fillRef idx="1">
+              <a:schemeClr val="accent1"/>
+            </a:fillRef>
+            <a:effectRef idx="0">
+              <a:schemeClr val="accent1"/>
+            </a:effectRef>
+            <a:fontRef idx="minor">
+              <a:schemeClr val="lt1"/>
+            </a:fontRef>
+          </p:style>
+          <p:txBody>
+            <a:bodyPr rtlCol="0" anchor="ctr"/>
+            <a:lstStyle/>
+            <a:p>
+              <a:pPr algn="ctr"/>
+              <a:endParaRPr lang="en-US" dirty="0"/>
+            </a:p>
+          </p:txBody>
+        </p:sp>
+        <p:pic>
+          <p:nvPicPr>
+            <p:cNvPr id="13" name="Picture 12"/>
+            <p:cNvPicPr>
+              <a:picLocks noChangeAspect="1"/>
+            </p:cNvPicPr>
+            <p:nvPr/>
+          </p:nvPicPr>
+          <p:blipFill>
+            <a:blip r:embed="rId2"/>
+            <a:stretch>
+              <a:fillRect/>
+            </a:stretch>
+          </p:blipFill>
+          <p:spPr>
+            <a:xfrm>
+              <a:off x="10834254" y="94913"/>
+              <a:ext cx="908386" cy="908386"/>
+            </a:xfrm>
+            <a:prstGeom prst="roundRect">
+              <a:avLst>
+                <a:gd name="adj" fmla="val 16667"/>
+              </a:avLst>
+            </a:prstGeom>
+            <a:ln>
+              <a:noFill/>
+            </a:ln>
+            <a:effectLst>
+              <a:outerShdw blurRad="76200" dist="38100" dir="7800000" algn="tl" rotWithShape="0">
+                <a:srgbClr val="000000">
+                  <a:alpha val="40000"/>
+                </a:srgbClr>
+              </a:outerShdw>
+            </a:effectLst>
+            <a:scene3d>
+              <a:camera prst="orthographicFront"/>
+              <a:lightRig rig="contrasting" dir="t">
+                <a:rot lat="0" lon="0" rev="4200000"/>
+              </a:lightRig>
+            </a:scene3d>
+            <a:sp3d prstMaterial="plastic">
+              <a:bevelT w="381000" h="114300" prst="relaxedInset"/>
+              <a:contourClr>
+                <a:srgbClr val="969696"/>
+              </a:contourClr>
+            </a:sp3d>
+          </p:spPr>
+        </p:pic>
+        <p:sp>
+          <p:nvSpPr>
+            <p:cNvPr id="14" name="TextBox 13"/>
+            <p:cNvSpPr txBox="1"/>
+            <p:nvPr/>
+          </p:nvSpPr>
+          <p:spPr>
+            <a:xfrm>
+              <a:off x="647059" y="160224"/>
+              <a:ext cx="1094787" cy="769441"/>
+            </a:xfrm>
+            <a:prstGeom prst="rect">
+              <a:avLst/>
+            </a:prstGeom>
+            <a:noFill/>
+          </p:spPr>
+          <p:txBody>
+            <a:bodyPr wrap="none" lIns="91440" tIns="45720" rIns="91440" bIns="45720" rtlCol="0" anchor="t">
+              <a:spAutoFit/>
+            </a:bodyPr>
+            <a:lstStyle/>
+            <a:p>
+              <a:r>
+                <a:rPr lang="es-ES" sz="4400" dirty="0" smtClean="0">
+                  <a:solidFill>
+                    <a:schemeClr val="bg1"/>
+                  </a:solidFill>
+                </a:rPr>
+                <a:t>Test</a:t>
+              </a:r>
+              <a:endParaRPr lang="en-US" sz="4400" dirty="0">
+                <a:solidFill>
+                  <a:schemeClr val="bg1"/>
+                </a:solidFill>
+              </a:endParaRPr>
+            </a:p>
+          </p:txBody>
+        </p:sp>
+      </p:grpSp>
+    </p:spTree>
+    <p:extLst>
+      <p:ext uri="{BB962C8B-B14F-4D97-AF65-F5344CB8AC3E}">
+        <p14:creationId xmlns:p14="http://schemas.microsoft.com/office/powerpoint/2010/main" val="1750612203"/>
+      </p:ext>
+    </p:extLst>
+  </p:cSld>
+  <p:clrMapOvr>
+    <a:masterClrMapping/>
+  </p:clrMapOvr>
+</p:sld>
+</file>
+
 <file path=ppt/slides/slide2.xml><?xml version="1.0" encoding="utf-8"?>
 <p:sld xmlns:a="http://schemas.openxmlformats.org/drawingml/2006/main" xmlns:r="http://schemas.openxmlformats.org/officeDocument/2006/relationships" xmlns:p="http://schemas.openxmlformats.org/presentationml/2006/main">
   <p:cSld>
@@ -3468,6 +3648,16 @@
           </a:p>
           <a:p>
             <a:pPr algn="ctr"/>
+            <a:r>
+              <a:rPr lang="es-ES" b="0" dirty="0">
+                <a:solidFill>
+                  <a:srgbClr val="517E76"/>
+                </a:solidFill>
+                <a:effectLst/>
+                <a:latin typeface="Consolas" panose="020B0609020204030204" pitchFamily="49" charset="0"/>
+              </a:rPr>
+              <a:t/>
+            </a:r>
             <a:br>
               <a:rPr lang="es-ES" b="0" dirty="0">
                 <a:solidFill>
@@ -4375,6 +4565,392 @@
           <p:spPr>
             <a:xfrm>
               <a:off x="647059" y="160224"/>
+              <a:ext cx="8009500" cy="769441"/>
+            </a:xfrm>
+            <a:prstGeom prst="rect">
+              <a:avLst/>
+            </a:prstGeom>
+            <a:noFill/>
+          </p:spPr>
+          <p:txBody>
+            <a:bodyPr wrap="none" lIns="91440" tIns="45720" rIns="91440" bIns="45720" rtlCol="0" anchor="t">
+              <a:spAutoFit/>
+            </a:bodyPr>
+            <a:lstStyle/>
+            <a:p>
+              <a:r>
+                <a:rPr lang="es-ES" sz="4400" dirty="0" smtClean="0">
+                  <a:solidFill>
+                    <a:schemeClr val="bg1"/>
+                  </a:solidFill>
+                </a:rPr>
+                <a:t>Pipeline </a:t>
+              </a:r>
+              <a:r>
+                <a:rPr lang="es-ES" sz="4400" dirty="0" err="1" smtClean="0">
+                  <a:solidFill>
+                    <a:schemeClr val="bg1"/>
+                  </a:solidFill>
+                </a:rPr>
+                <a:t>preprocesado</a:t>
+              </a:r>
+              <a:r>
+                <a:rPr lang="es-ES" sz="4400" dirty="0" smtClean="0">
+                  <a:solidFill>
+                    <a:schemeClr val="bg1"/>
+                  </a:solidFill>
+                </a:rPr>
+                <a:t> categóricas</a:t>
+              </a:r>
+              <a:endParaRPr lang="en-US" sz="4400" dirty="0">
+                <a:solidFill>
+                  <a:schemeClr val="bg1"/>
+                </a:solidFill>
+              </a:endParaRPr>
+            </a:p>
+          </p:txBody>
+        </p:sp>
+      </p:grpSp>
+    </p:spTree>
+    <p:extLst>
+      <p:ext uri="{BB962C8B-B14F-4D97-AF65-F5344CB8AC3E}">
+        <p14:creationId xmlns:p14="http://schemas.microsoft.com/office/powerpoint/2010/main" val="3627628477"/>
+      </p:ext>
+    </p:extLst>
+  </p:cSld>
+  <p:clrMapOvr>
+    <a:masterClrMapping/>
+  </p:clrMapOvr>
+</p:sld>
+</file>
+
+<file path=ppt/slides/slide7.xml><?xml version="1.0" encoding="utf-8"?>
+<p:sld xmlns:a="http://schemas.openxmlformats.org/drawingml/2006/main" xmlns:r="http://schemas.openxmlformats.org/officeDocument/2006/relationships" xmlns:p="http://schemas.openxmlformats.org/presentationml/2006/main">
+  <p:cSld>
+    <p:spTree>
+      <p:nvGrpSpPr>
+        <p:cNvPr id="1" name=""/>
+        <p:cNvGrpSpPr/>
+        <p:nvPr/>
+      </p:nvGrpSpPr>
+      <p:grpSpPr>
+        <a:xfrm>
+          <a:off x="0" y="0"/>
+          <a:ext cx="0" cy="0"/>
+          <a:chOff x="0" y="0"/>
+          <a:chExt cx="0" cy="0"/>
+        </a:xfrm>
+      </p:grpSpPr>
+      <p:grpSp>
+        <p:nvGrpSpPr>
+          <p:cNvPr id="11" name="Group 10"/>
+          <p:cNvGrpSpPr/>
+          <p:nvPr/>
+        </p:nvGrpSpPr>
+        <p:grpSpPr>
+          <a:xfrm>
+            <a:off x="0" y="0"/>
+            <a:ext cx="12192000" cy="1089891"/>
+            <a:chOff x="0" y="0"/>
+            <a:chExt cx="12192000" cy="1089891"/>
+          </a:xfrm>
+        </p:grpSpPr>
+        <p:sp>
+          <p:nvSpPr>
+            <p:cNvPr id="12" name="Rectangle 11"/>
+            <p:cNvSpPr/>
+            <p:nvPr/>
+          </p:nvSpPr>
+          <p:spPr>
+            <a:xfrm>
+              <a:off x="0" y="0"/>
+              <a:ext cx="12192000" cy="1089891"/>
+            </a:xfrm>
+            <a:prstGeom prst="rect">
+              <a:avLst/>
+            </a:prstGeom>
+            <a:solidFill>
+              <a:srgbClr val="84C6B8"/>
+            </a:solidFill>
+            <a:ln>
+              <a:noFill/>
+            </a:ln>
+          </p:spPr>
+          <p:style>
+            <a:lnRef idx="2">
+              <a:schemeClr val="accent1">
+                <a:shade val="50000"/>
+              </a:schemeClr>
+            </a:lnRef>
+            <a:fillRef idx="1">
+              <a:schemeClr val="accent1"/>
+            </a:fillRef>
+            <a:effectRef idx="0">
+              <a:schemeClr val="accent1"/>
+            </a:effectRef>
+            <a:fontRef idx="minor">
+              <a:schemeClr val="lt1"/>
+            </a:fontRef>
+          </p:style>
+          <p:txBody>
+            <a:bodyPr rtlCol="0" anchor="ctr"/>
+            <a:lstStyle/>
+            <a:p>
+              <a:pPr algn="ctr"/>
+              <a:endParaRPr lang="en-US" dirty="0"/>
+            </a:p>
+          </p:txBody>
+        </p:sp>
+        <p:pic>
+          <p:nvPicPr>
+            <p:cNvPr id="13" name="Picture 12"/>
+            <p:cNvPicPr>
+              <a:picLocks noChangeAspect="1"/>
+            </p:cNvPicPr>
+            <p:nvPr/>
+          </p:nvPicPr>
+          <p:blipFill>
+            <a:blip r:embed="rId2"/>
+            <a:stretch>
+              <a:fillRect/>
+            </a:stretch>
+          </p:blipFill>
+          <p:spPr>
+            <a:xfrm>
+              <a:off x="10834254" y="94913"/>
+              <a:ext cx="908386" cy="908386"/>
+            </a:xfrm>
+            <a:prstGeom prst="roundRect">
+              <a:avLst>
+                <a:gd name="adj" fmla="val 16667"/>
+              </a:avLst>
+            </a:prstGeom>
+            <a:ln>
+              <a:noFill/>
+            </a:ln>
+            <a:effectLst>
+              <a:outerShdw blurRad="76200" dist="38100" dir="7800000" algn="tl" rotWithShape="0">
+                <a:srgbClr val="000000">
+                  <a:alpha val="40000"/>
+                </a:srgbClr>
+              </a:outerShdw>
+            </a:effectLst>
+            <a:scene3d>
+              <a:camera prst="orthographicFront"/>
+              <a:lightRig rig="contrasting" dir="t">
+                <a:rot lat="0" lon="0" rev="4200000"/>
+              </a:lightRig>
+            </a:scene3d>
+            <a:sp3d prstMaterial="plastic">
+              <a:bevelT w="381000" h="114300" prst="relaxedInset"/>
+              <a:contourClr>
+                <a:srgbClr val="969696"/>
+              </a:contourClr>
+            </a:sp3d>
+          </p:spPr>
+        </p:pic>
+        <p:sp>
+          <p:nvSpPr>
+            <p:cNvPr id="14" name="TextBox 13"/>
+            <p:cNvSpPr txBox="1"/>
+            <p:nvPr/>
+          </p:nvSpPr>
+          <p:spPr>
+            <a:xfrm>
+              <a:off x="647059" y="160224"/>
+              <a:ext cx="7809767" cy="769441"/>
+            </a:xfrm>
+            <a:prstGeom prst="rect">
+              <a:avLst/>
+            </a:prstGeom>
+            <a:noFill/>
+          </p:spPr>
+          <p:txBody>
+            <a:bodyPr wrap="none" lIns="91440" tIns="45720" rIns="91440" bIns="45720" rtlCol="0" anchor="t">
+              <a:spAutoFit/>
+            </a:bodyPr>
+            <a:lstStyle/>
+            <a:p>
+              <a:r>
+                <a:rPr lang="es-ES" sz="4400" dirty="0" smtClean="0">
+                  <a:solidFill>
+                    <a:schemeClr val="bg1"/>
+                  </a:solidFill>
+                </a:rPr>
+                <a:t>Pipeline </a:t>
+              </a:r>
+              <a:r>
+                <a:rPr lang="es-ES" sz="4400" dirty="0" err="1" smtClean="0">
+                  <a:solidFill>
+                    <a:schemeClr val="bg1"/>
+                  </a:solidFill>
+                </a:rPr>
+                <a:t>preprocesado</a:t>
+              </a:r>
+              <a:r>
+                <a:rPr lang="es-ES" sz="4400" dirty="0" smtClean="0">
+                  <a:solidFill>
+                    <a:schemeClr val="bg1"/>
+                  </a:solidFill>
+                </a:rPr>
+                <a:t> numéricas</a:t>
+              </a:r>
+              <a:endParaRPr lang="en-US" sz="4400" dirty="0">
+                <a:solidFill>
+                  <a:schemeClr val="bg1"/>
+                </a:solidFill>
+              </a:endParaRPr>
+            </a:p>
+          </p:txBody>
+        </p:sp>
+      </p:grpSp>
+    </p:spTree>
+    <p:extLst>
+      <p:ext uri="{BB962C8B-B14F-4D97-AF65-F5344CB8AC3E}">
+        <p14:creationId xmlns:p14="http://schemas.microsoft.com/office/powerpoint/2010/main" val="3319422744"/>
+      </p:ext>
+    </p:extLst>
+  </p:cSld>
+  <p:clrMapOvr>
+    <a:masterClrMapping/>
+  </p:clrMapOvr>
+</p:sld>
+</file>
+
+<file path=ppt/slides/slide8.xml><?xml version="1.0" encoding="utf-8"?>
+<p:sld xmlns:a="http://schemas.openxmlformats.org/drawingml/2006/main" xmlns:r="http://schemas.openxmlformats.org/officeDocument/2006/relationships" xmlns:p="http://schemas.openxmlformats.org/presentationml/2006/main">
+  <p:cSld>
+    <p:spTree>
+      <p:nvGrpSpPr>
+        <p:cNvPr id="1" name=""/>
+        <p:cNvGrpSpPr/>
+        <p:nvPr/>
+      </p:nvGrpSpPr>
+      <p:grpSpPr>
+        <a:xfrm>
+          <a:off x="0" y="0"/>
+          <a:ext cx="0" cy="0"/>
+          <a:chOff x="0" y="0"/>
+          <a:chExt cx="0" cy="0"/>
+        </a:xfrm>
+      </p:grpSpPr>
+      <p:grpSp>
+        <p:nvGrpSpPr>
+          <p:cNvPr id="11" name="Group 10"/>
+          <p:cNvGrpSpPr/>
+          <p:nvPr/>
+        </p:nvGrpSpPr>
+        <p:grpSpPr>
+          <a:xfrm>
+            <a:off x="0" y="0"/>
+            <a:ext cx="12192000" cy="1089891"/>
+            <a:chOff x="0" y="0"/>
+            <a:chExt cx="12192000" cy="1089891"/>
+          </a:xfrm>
+        </p:grpSpPr>
+        <p:sp>
+          <p:nvSpPr>
+            <p:cNvPr id="12" name="Rectangle 11"/>
+            <p:cNvSpPr/>
+            <p:nvPr/>
+          </p:nvSpPr>
+          <p:spPr>
+            <a:xfrm>
+              <a:off x="0" y="0"/>
+              <a:ext cx="12192000" cy="1089891"/>
+            </a:xfrm>
+            <a:prstGeom prst="rect">
+              <a:avLst/>
+            </a:prstGeom>
+            <a:solidFill>
+              <a:srgbClr val="84C6B8"/>
+            </a:solidFill>
+            <a:ln>
+              <a:noFill/>
+            </a:ln>
+          </p:spPr>
+          <p:style>
+            <a:lnRef idx="2">
+              <a:schemeClr val="accent1">
+                <a:shade val="50000"/>
+              </a:schemeClr>
+            </a:lnRef>
+            <a:fillRef idx="1">
+              <a:schemeClr val="accent1"/>
+            </a:fillRef>
+            <a:effectRef idx="0">
+              <a:schemeClr val="accent1"/>
+            </a:effectRef>
+            <a:fontRef idx="minor">
+              <a:schemeClr val="lt1"/>
+            </a:fontRef>
+          </p:style>
+          <p:txBody>
+            <a:bodyPr rtlCol="0" anchor="ctr"/>
+            <a:lstStyle/>
+            <a:p>
+              <a:pPr algn="ctr"/>
+              <a:endParaRPr lang="en-US" dirty="0"/>
+            </a:p>
+          </p:txBody>
+        </p:sp>
+        <p:pic>
+          <p:nvPicPr>
+            <p:cNvPr id="13" name="Picture 12"/>
+            <p:cNvPicPr>
+              <a:picLocks noChangeAspect="1"/>
+            </p:cNvPicPr>
+            <p:nvPr/>
+          </p:nvPicPr>
+          <p:blipFill>
+            <a:blip r:embed="rId2"/>
+            <a:stretch>
+              <a:fillRect/>
+            </a:stretch>
+          </p:blipFill>
+          <p:spPr>
+            <a:xfrm>
+              <a:off x="10834254" y="94913"/>
+              <a:ext cx="908386" cy="908386"/>
+            </a:xfrm>
+            <a:prstGeom prst="roundRect">
+              <a:avLst>
+                <a:gd name="adj" fmla="val 16667"/>
+              </a:avLst>
+            </a:prstGeom>
+            <a:ln>
+              <a:noFill/>
+            </a:ln>
+            <a:effectLst>
+              <a:outerShdw blurRad="76200" dist="38100" dir="7800000" algn="tl" rotWithShape="0">
+                <a:srgbClr val="000000">
+                  <a:alpha val="40000"/>
+                </a:srgbClr>
+              </a:outerShdw>
+            </a:effectLst>
+            <a:scene3d>
+              <a:camera prst="orthographicFront"/>
+              <a:lightRig rig="contrasting" dir="t">
+                <a:rot lat="0" lon="0" rev="4200000"/>
+              </a:lightRig>
+            </a:scene3d>
+            <a:sp3d prstMaterial="plastic">
+              <a:bevelT w="381000" h="114300" prst="relaxedInset"/>
+              <a:contourClr>
+                <a:srgbClr val="969696"/>
+              </a:contourClr>
+            </a:sp3d>
+          </p:spPr>
+        </p:pic>
+        <p:sp>
+          <p:nvSpPr>
+            <p:cNvPr id="14" name="TextBox 13"/>
+            <p:cNvSpPr txBox="1"/>
+            <p:nvPr/>
+          </p:nvSpPr>
+          <p:spPr>
+            <a:xfrm>
+              <a:off x="647059" y="160224"/>
               <a:ext cx="2537874" cy="769441"/>
             </a:xfrm>
             <a:prstGeom prst="rect">
@@ -4974,7 +5550,7 @@
 </p:sld>
 </file>
 
-<file path=ppt/slides/slide7.xml><?xml version="1.0" encoding="utf-8"?>
+<file path=ppt/slides/slide9.xml><?xml version="1.0" encoding="utf-8"?>
 <p:sld xmlns:a="http://schemas.openxmlformats.org/drawingml/2006/main" xmlns:r="http://schemas.openxmlformats.org/officeDocument/2006/relationships" xmlns:p="http://schemas.openxmlformats.org/presentationml/2006/main">
   <p:cSld>
     <p:spTree>

--- a/Team_MPG 1.pptx
+++ b/Team_MPG 1.pptx
@@ -11,10 +11,11 @@
     <p:sldId id="259" r:id="rId5"/>
     <p:sldId id="260" r:id="rId6"/>
     <p:sldId id="263" r:id="rId7"/>
-    <p:sldId id="265" r:id="rId8"/>
-    <p:sldId id="261" r:id="rId9"/>
-    <p:sldId id="262" r:id="rId10"/>
-    <p:sldId id="264" r:id="rId11"/>
+    <p:sldId id="266" r:id="rId8"/>
+    <p:sldId id="265" r:id="rId9"/>
+    <p:sldId id="261" r:id="rId10"/>
+    <p:sldId id="262" r:id="rId11"/>
+    <p:sldId id="264" r:id="rId12"/>
   </p:sldIdLst>
   <p:sldSz cx="12192000" cy="6858000"/>
   <p:notesSz cx="6858000" cy="9144000"/>
@@ -300,7 +301,7 @@
           <a:p>
             <a:fld id="{516F1398-8C6A-4772-A1E8-0D05CDA7C0EE}" type="slidenum">
               <a:rPr lang="en-US" smtClean="0"/>
-              <a:t>‹#›</a:t>
+              <a:t>‹Nº›</a:t>
             </a:fld>
             <a:endParaRPr lang="en-US"/>
           </a:p>
@@ -468,7 +469,7 @@
           <a:p>
             <a:fld id="{516F1398-8C6A-4772-A1E8-0D05CDA7C0EE}" type="slidenum">
               <a:rPr lang="en-US" smtClean="0"/>
-              <a:t>‹#›</a:t>
+              <a:t>‹Nº›</a:t>
             </a:fld>
             <a:endParaRPr lang="en-US"/>
           </a:p>
@@ -646,7 +647,7 @@
           <a:p>
             <a:fld id="{516F1398-8C6A-4772-A1E8-0D05CDA7C0EE}" type="slidenum">
               <a:rPr lang="en-US" smtClean="0"/>
-              <a:t>‹#›</a:t>
+              <a:t>‹Nº›</a:t>
             </a:fld>
             <a:endParaRPr lang="en-US"/>
           </a:p>
@@ -814,7 +815,7 @@
           <a:p>
             <a:fld id="{516F1398-8C6A-4772-A1E8-0D05CDA7C0EE}" type="slidenum">
               <a:rPr lang="en-US" smtClean="0"/>
-              <a:t>‹#›</a:t>
+              <a:t>‹Nº›</a:t>
             </a:fld>
             <a:endParaRPr lang="en-US"/>
           </a:p>
@@ -1059,7 +1060,7 @@
           <a:p>
             <a:fld id="{516F1398-8C6A-4772-A1E8-0D05CDA7C0EE}" type="slidenum">
               <a:rPr lang="en-US" smtClean="0"/>
-              <a:t>‹#›</a:t>
+              <a:t>‹Nº›</a:t>
             </a:fld>
             <a:endParaRPr lang="en-US"/>
           </a:p>
@@ -1288,7 +1289,7 @@
           <a:p>
             <a:fld id="{516F1398-8C6A-4772-A1E8-0D05CDA7C0EE}" type="slidenum">
               <a:rPr lang="en-US" smtClean="0"/>
-              <a:t>‹#›</a:t>
+              <a:t>‹Nº›</a:t>
             </a:fld>
             <a:endParaRPr lang="en-US"/>
           </a:p>
@@ -1652,7 +1653,7 @@
           <a:p>
             <a:fld id="{516F1398-8C6A-4772-A1E8-0D05CDA7C0EE}" type="slidenum">
               <a:rPr lang="en-US" smtClean="0"/>
-              <a:t>‹#›</a:t>
+              <a:t>‹Nº›</a:t>
             </a:fld>
             <a:endParaRPr lang="en-US"/>
           </a:p>
@@ -1769,7 +1770,7 @@
           <a:p>
             <a:fld id="{516F1398-8C6A-4772-A1E8-0D05CDA7C0EE}" type="slidenum">
               <a:rPr lang="en-US" smtClean="0"/>
-              <a:t>‹#›</a:t>
+              <a:t>‹Nº›</a:t>
             </a:fld>
             <a:endParaRPr lang="en-US"/>
           </a:p>
@@ -1864,7 +1865,7 @@
           <a:p>
             <a:fld id="{516F1398-8C6A-4772-A1E8-0D05CDA7C0EE}" type="slidenum">
               <a:rPr lang="en-US" smtClean="0"/>
-              <a:t>‹#›</a:t>
+              <a:t>‹Nº›</a:t>
             </a:fld>
             <a:endParaRPr lang="en-US"/>
           </a:p>
@@ -2139,7 +2140,7 @@
           <a:p>
             <a:fld id="{516F1398-8C6A-4772-A1E8-0D05CDA7C0EE}" type="slidenum">
               <a:rPr lang="en-US" smtClean="0"/>
-              <a:t>‹#›</a:t>
+              <a:t>‹Nº›</a:t>
             </a:fld>
             <a:endParaRPr lang="en-US"/>
           </a:p>
@@ -2391,7 +2392,7 @@
           <a:p>
             <a:fld id="{516F1398-8C6A-4772-A1E8-0D05CDA7C0EE}" type="slidenum">
               <a:rPr lang="en-US" smtClean="0"/>
-              <a:t>‹#›</a:t>
+              <a:t>‹Nº›</a:t>
             </a:fld>
             <a:endParaRPr lang="en-US"/>
           </a:p>
@@ -2638,7 +2639,7 @@
           <a:p>
             <a:fld id="{516F1398-8C6A-4772-A1E8-0D05CDA7C0EE}" type="slidenum">
               <a:rPr lang="en-US" smtClean="0"/>
-              <a:t>‹#›</a:t>
+              <a:t>‹Nº›</a:t>
             </a:fld>
             <a:endParaRPr lang="en-US"/>
           </a:p>
@@ -3269,6 +3270,422 @@
   <p:cSld>
     <p:spTree>
       <p:nvGrpSpPr>
+        <p:cNvPr id="1" name="">
+          <a:extLst>
+            <a:ext uri="{FF2B5EF4-FFF2-40B4-BE49-F238E27FC236}">
+              <a16:creationId xmlns:a16="http://schemas.microsoft.com/office/drawing/2014/main" id="{F220E518-96F2-15A4-D123-A1ABC905CE48}"/>
+            </a:ext>
+          </a:extLst>
+        </p:cNvPr>
+        <p:cNvGrpSpPr/>
+        <p:nvPr/>
+      </p:nvGrpSpPr>
+      <p:grpSpPr>
+        <a:xfrm>
+          <a:off x="0" y="0"/>
+          <a:ext cx="0" cy="0"/>
+          <a:chOff x="0" y="0"/>
+          <a:chExt cx="0" cy="0"/>
+        </a:xfrm>
+      </p:grpSpPr>
+      <p:grpSp>
+        <p:nvGrpSpPr>
+          <p:cNvPr id="11" name="Group 10">
+            <a:extLst>
+              <a:ext uri="{FF2B5EF4-FFF2-40B4-BE49-F238E27FC236}">
+                <a16:creationId xmlns:a16="http://schemas.microsoft.com/office/drawing/2014/main" id="{36AC4C0F-2D74-F7C2-4296-071FB2BC1EB2}"/>
+              </a:ext>
+            </a:extLst>
+          </p:cNvPr>
+          <p:cNvGrpSpPr/>
+          <p:nvPr/>
+        </p:nvGrpSpPr>
+        <p:grpSpPr>
+          <a:xfrm>
+            <a:off x="0" y="0"/>
+            <a:ext cx="12192000" cy="1089891"/>
+            <a:chOff x="0" y="0"/>
+            <a:chExt cx="12192000" cy="1089891"/>
+          </a:xfrm>
+        </p:grpSpPr>
+        <p:sp>
+          <p:nvSpPr>
+            <p:cNvPr id="12" name="Rectangle 11">
+              <a:extLst>
+                <a:ext uri="{FF2B5EF4-FFF2-40B4-BE49-F238E27FC236}">
+                  <a16:creationId xmlns:a16="http://schemas.microsoft.com/office/drawing/2014/main" id="{EFE76DAF-7755-3648-02B1-90E7217DE988}"/>
+                </a:ext>
+              </a:extLst>
+            </p:cNvPr>
+            <p:cNvSpPr/>
+            <p:nvPr/>
+          </p:nvSpPr>
+          <p:spPr>
+            <a:xfrm>
+              <a:off x="0" y="0"/>
+              <a:ext cx="12192000" cy="1089891"/>
+            </a:xfrm>
+            <a:prstGeom prst="rect">
+              <a:avLst/>
+            </a:prstGeom>
+            <a:solidFill>
+              <a:srgbClr val="84C6B8"/>
+            </a:solidFill>
+            <a:ln>
+              <a:noFill/>
+            </a:ln>
+          </p:spPr>
+          <p:style>
+            <a:lnRef idx="2">
+              <a:schemeClr val="accent1">
+                <a:shade val="50000"/>
+              </a:schemeClr>
+            </a:lnRef>
+            <a:fillRef idx="1">
+              <a:schemeClr val="accent1"/>
+            </a:fillRef>
+            <a:effectRef idx="0">
+              <a:schemeClr val="accent1"/>
+            </a:effectRef>
+            <a:fontRef idx="minor">
+              <a:schemeClr val="lt1"/>
+            </a:fontRef>
+          </p:style>
+          <p:txBody>
+            <a:bodyPr rtlCol="0" anchor="ctr"/>
+            <a:lstStyle/>
+            <a:p>
+              <a:pPr algn="ctr"/>
+              <a:endParaRPr lang="en-US" dirty="0"/>
+            </a:p>
+          </p:txBody>
+        </p:sp>
+        <p:pic>
+          <p:nvPicPr>
+            <p:cNvPr id="13" name="Picture 12">
+              <a:extLst>
+                <a:ext uri="{FF2B5EF4-FFF2-40B4-BE49-F238E27FC236}">
+                  <a16:creationId xmlns:a16="http://schemas.microsoft.com/office/drawing/2014/main" id="{307A5CE4-F49E-AE70-E4DF-EF3243D4BAB5}"/>
+                </a:ext>
+              </a:extLst>
+            </p:cNvPr>
+            <p:cNvPicPr>
+              <a:picLocks noChangeAspect="1"/>
+            </p:cNvPicPr>
+            <p:nvPr/>
+          </p:nvPicPr>
+          <p:blipFill>
+            <a:blip r:embed="rId2"/>
+            <a:stretch>
+              <a:fillRect/>
+            </a:stretch>
+          </p:blipFill>
+          <p:spPr>
+            <a:xfrm>
+              <a:off x="10834254" y="94913"/>
+              <a:ext cx="908386" cy="908386"/>
+            </a:xfrm>
+            <a:prstGeom prst="roundRect">
+              <a:avLst>
+                <a:gd name="adj" fmla="val 16667"/>
+              </a:avLst>
+            </a:prstGeom>
+            <a:ln>
+              <a:noFill/>
+            </a:ln>
+            <a:effectLst>
+              <a:outerShdw blurRad="76200" dist="38100" dir="7800000" algn="tl" rotWithShape="0">
+                <a:srgbClr val="000000">
+                  <a:alpha val="40000"/>
+                </a:srgbClr>
+              </a:outerShdw>
+            </a:effectLst>
+            <a:scene3d>
+              <a:camera prst="orthographicFront"/>
+              <a:lightRig rig="contrasting" dir="t">
+                <a:rot lat="0" lon="0" rev="4200000"/>
+              </a:lightRig>
+            </a:scene3d>
+            <a:sp3d prstMaterial="plastic">
+              <a:bevelT w="381000" h="114300" prst="relaxedInset"/>
+              <a:contourClr>
+                <a:srgbClr val="969696"/>
+              </a:contourClr>
+            </a:sp3d>
+          </p:spPr>
+        </p:pic>
+        <p:sp>
+          <p:nvSpPr>
+            <p:cNvPr id="14" name="TextBox 13">
+              <a:extLst>
+                <a:ext uri="{FF2B5EF4-FFF2-40B4-BE49-F238E27FC236}">
+                  <a16:creationId xmlns:a16="http://schemas.microsoft.com/office/drawing/2014/main" id="{EB99BE78-4AB1-689A-3F53-D3E890641102}"/>
+                </a:ext>
+              </a:extLst>
+            </p:cNvPr>
+            <p:cNvSpPr txBox="1"/>
+            <p:nvPr/>
+          </p:nvSpPr>
+          <p:spPr>
+            <a:xfrm>
+              <a:off x="647059" y="160224"/>
+              <a:ext cx="6301853" cy="769441"/>
+            </a:xfrm>
+            <a:prstGeom prst="rect">
+              <a:avLst/>
+            </a:prstGeom>
+            <a:noFill/>
+          </p:spPr>
+          <p:txBody>
+            <a:bodyPr wrap="none" lIns="91440" tIns="45720" rIns="91440" bIns="45720" rtlCol="0" anchor="t">
+              <a:spAutoFit/>
+            </a:bodyPr>
+            <a:lstStyle/>
+            <a:p>
+              <a:r>
+                <a:rPr lang="es-ES" sz="4400" dirty="0">
+                  <a:solidFill>
+                    <a:schemeClr val="bg1"/>
+                  </a:solidFill>
+                </a:rPr>
+                <a:t>Ajuste de </a:t>
+              </a:r>
+              <a:r>
+                <a:rPr lang="es-ES" sz="4400" dirty="0" err="1">
+                  <a:solidFill>
+                    <a:schemeClr val="bg1"/>
+                  </a:solidFill>
+                </a:rPr>
+                <a:t>hiperparámetros</a:t>
+              </a:r>
+              <a:endParaRPr lang="en-US" sz="4400" dirty="0" err="1">
+                <a:solidFill>
+                  <a:schemeClr val="bg1"/>
+                </a:solidFill>
+              </a:endParaRPr>
+            </a:p>
+          </p:txBody>
+        </p:sp>
+      </p:grpSp>
+      <p:sp>
+        <p:nvSpPr>
+          <p:cNvPr id="3" name="CuadroTexto 2">
+            <a:extLst>
+              <a:ext uri="{FF2B5EF4-FFF2-40B4-BE49-F238E27FC236}">
+                <a16:creationId xmlns:a16="http://schemas.microsoft.com/office/drawing/2014/main" id="{9EE87CC4-8034-A910-99AA-D37E1004C047}"/>
+              </a:ext>
+            </a:extLst>
+          </p:cNvPr>
+          <p:cNvSpPr txBox="1"/>
+          <p:nvPr/>
+        </p:nvSpPr>
+        <p:spPr>
+          <a:xfrm>
+            <a:off x="279400" y="1182511"/>
+            <a:ext cx="11181645" cy="369332"/>
+          </a:xfrm>
+          <a:prstGeom prst="rect">
+            <a:avLst/>
+          </a:prstGeom>
+          <a:noFill/>
+        </p:spPr>
+        <p:txBody>
+          <a:bodyPr rot="0" spcFirstLastPara="0" vertOverflow="overflow" horzOverflow="overflow" vert="horz" wrap="square" lIns="91440" tIns="45720" rIns="91440" bIns="45720" numCol="1" spcCol="0" rtlCol="0" fromWordArt="0" anchor="t" anchorCtr="0" forceAA="0" compatLnSpc="1">
+            <a:prstTxWarp prst="textNoShape">
+              <a:avLst/>
+            </a:prstTxWarp>
+            <a:spAutoFit/>
+          </a:bodyPr>
+          <a:lstStyle/>
+          <a:p>
+            <a:r>
+              <a:rPr lang="es-ES" dirty="0">
+                <a:solidFill>
+                  <a:srgbClr val="517E76"/>
+                </a:solidFill>
+              </a:rPr>
+              <a:t>Se ha utilizado </a:t>
+            </a:r>
+            <a:r>
+              <a:rPr lang="es-ES" dirty="0" err="1">
+                <a:solidFill>
+                  <a:srgbClr val="517E76"/>
+                </a:solidFill>
+              </a:rPr>
+              <a:t>GridSearch</a:t>
+            </a:r>
+            <a:r>
+              <a:rPr lang="es-ES" dirty="0">
+                <a:solidFill>
+                  <a:srgbClr val="517E76"/>
+                </a:solidFill>
+              </a:rPr>
+              <a:t> el mejor modelo ha resultado ser el XGB con los siguientes parámetros:</a:t>
+            </a:r>
+            <a:endParaRPr lang="es-ES" dirty="0" err="1">
+              <a:solidFill>
+                <a:srgbClr val="517E76"/>
+              </a:solidFill>
+              <a:ea typeface="Calibri"/>
+              <a:cs typeface="Calibri"/>
+            </a:endParaRPr>
+          </a:p>
+        </p:txBody>
+      </p:sp>
+      <p:pic>
+        <p:nvPicPr>
+          <p:cNvPr id="2" name="Imagen 1">
+            <a:extLst>
+              <a:ext uri="{FF2B5EF4-FFF2-40B4-BE49-F238E27FC236}">
+                <a16:creationId xmlns:a16="http://schemas.microsoft.com/office/drawing/2014/main" id="{5DA63DAC-8AEC-C6DC-003C-36CAC2EBAD2C}"/>
+              </a:ext>
+            </a:extLst>
+          </p:cNvPr>
+          <p:cNvPicPr>
+            <a:picLocks noChangeAspect="1"/>
+          </p:cNvPicPr>
+          <p:nvPr/>
+        </p:nvPicPr>
+        <p:blipFill>
+          <a:blip r:embed="rId3"/>
+          <a:stretch>
+            <a:fillRect/>
+          </a:stretch>
+        </p:blipFill>
+        <p:spPr>
+          <a:xfrm>
+            <a:off x="64206" y="2002719"/>
+            <a:ext cx="2538588" cy="1342671"/>
+          </a:xfrm>
+          <a:prstGeom prst="rect">
+            <a:avLst/>
+          </a:prstGeom>
+        </p:spPr>
+      </p:pic>
+      <p:pic>
+        <p:nvPicPr>
+          <p:cNvPr id="6" name="Imagen 5" descr="Interfaz de usuario gráfica, Sitio web&#10;&#10;El contenido generado por inteligencia artificial puede ser incorrecto.">
+            <a:extLst>
+              <a:ext uri="{FF2B5EF4-FFF2-40B4-BE49-F238E27FC236}">
+                <a16:creationId xmlns:a16="http://schemas.microsoft.com/office/drawing/2014/main" id="{281BA477-9169-6A68-D694-C9906442B596}"/>
+              </a:ext>
+            </a:extLst>
+          </p:cNvPr>
+          <p:cNvPicPr>
+            <a:picLocks noChangeAspect="1"/>
+          </p:cNvPicPr>
+          <p:nvPr/>
+        </p:nvPicPr>
+        <p:blipFill>
+          <a:blip r:embed="rId4"/>
+          <a:stretch>
+            <a:fillRect/>
+          </a:stretch>
+        </p:blipFill>
+        <p:spPr>
+          <a:xfrm>
+            <a:off x="2642481" y="2666824"/>
+            <a:ext cx="7019925" cy="3838575"/>
+          </a:xfrm>
+          <a:prstGeom prst="rect">
+            <a:avLst/>
+          </a:prstGeom>
+        </p:spPr>
+      </p:pic>
+      <p:sp>
+        <p:nvSpPr>
+          <p:cNvPr id="8" name="Flecha: doblada hacia arriba 7">
+            <a:extLst>
+              <a:ext uri="{FF2B5EF4-FFF2-40B4-BE49-F238E27FC236}">
+                <a16:creationId xmlns:a16="http://schemas.microsoft.com/office/drawing/2014/main" id="{22C5ED75-9F54-CE71-A28C-BCDD22A497BC}"/>
+              </a:ext>
+            </a:extLst>
+          </p:cNvPr>
+          <p:cNvSpPr/>
+          <p:nvPr/>
+        </p:nvSpPr>
+        <p:spPr>
+          <a:xfrm rot="5400000">
+            <a:off x="1065388" y="3506609"/>
+            <a:ext cx="1538110" cy="1255888"/>
+          </a:xfrm>
+          <a:prstGeom prst="bentUpArrow">
+            <a:avLst/>
+          </a:prstGeom>
+        </p:spPr>
+        <p:style>
+          <a:lnRef idx="2">
+            <a:schemeClr val="accent1">
+              <a:shade val="15000"/>
+            </a:schemeClr>
+          </a:lnRef>
+          <a:fillRef idx="1">
+            <a:schemeClr val="accent1"/>
+          </a:fillRef>
+          <a:effectRef idx="0">
+            <a:schemeClr val="accent1"/>
+          </a:effectRef>
+          <a:fontRef idx="minor">
+            <a:schemeClr val="lt1"/>
+          </a:fontRef>
+        </p:style>
+        <p:txBody>
+          <a:bodyPr rtlCol="0" anchor="ctr"/>
+          <a:lstStyle/>
+          <a:p>
+            <a:pPr algn="ctr"/>
+            <a:endParaRPr lang="es-ES"/>
+          </a:p>
+        </p:txBody>
+      </p:sp>
+      <p:pic>
+        <p:nvPicPr>
+          <p:cNvPr id="9" name="Imagen 8" descr="Texto&#10;&#10;El contenido generado por inteligencia artificial puede ser incorrecto.">
+            <a:extLst>
+              <a:ext uri="{FF2B5EF4-FFF2-40B4-BE49-F238E27FC236}">
+                <a16:creationId xmlns:a16="http://schemas.microsoft.com/office/drawing/2014/main" id="{26DADA84-9880-87FD-AF1C-7AF466919960}"/>
+              </a:ext>
+            </a:extLst>
+          </p:cNvPr>
+          <p:cNvPicPr>
+            <a:picLocks noChangeAspect="1"/>
+          </p:cNvPicPr>
+          <p:nvPr/>
+        </p:nvPicPr>
+        <p:blipFill>
+          <a:blip r:embed="rId5"/>
+          <a:stretch>
+            <a:fillRect/>
+          </a:stretch>
+        </p:blipFill>
+        <p:spPr>
+          <a:xfrm>
+            <a:off x="7996415" y="1548694"/>
+            <a:ext cx="4073171" cy="1347611"/>
+          </a:xfrm>
+          <a:prstGeom prst="rect">
+            <a:avLst/>
+          </a:prstGeom>
+        </p:spPr>
+      </p:pic>
+    </p:spTree>
+    <p:extLst>
+      <p:ext uri="{BB962C8B-B14F-4D97-AF65-F5344CB8AC3E}">
+        <p14:creationId xmlns:p14="http://schemas.microsoft.com/office/powerpoint/2010/main" val="3230465211"/>
+      </p:ext>
+    </p:extLst>
+  </p:cSld>
+  <p:clrMapOvr>
+    <a:masterClrMapping/>
+  </p:clrMapOvr>
+</p:sld>
+</file>
+
+<file path=ppt/slides/slide11.xml><?xml version="1.0" encoding="utf-8"?>
+<p:sld xmlns:a="http://schemas.openxmlformats.org/drawingml/2006/main" xmlns:r="http://schemas.openxmlformats.org/officeDocument/2006/relationships" xmlns:p="http://schemas.openxmlformats.org/presentationml/2006/main">
+  <p:cSld>
+    <p:spTree>
+      <p:nvGrpSpPr>
         <p:cNvPr id="1" name=""/>
         <p:cNvGrpSpPr/>
         <p:nvPr/>
@@ -3412,7 +3829,7 @@
             <a:lstStyle/>
             <a:p>
               <a:r>
-                <a:rPr lang="es-ES" sz="4400" dirty="0" smtClean="0">
+                <a:rPr lang="es-ES" sz="4400" dirty="0">
                   <a:solidFill>
                     <a:schemeClr val="bg1"/>
                   </a:solidFill>
@@ -3648,16 +4065,6 @@
           </a:p>
           <a:p>
             <a:pPr algn="ctr"/>
-            <a:r>
-              <a:rPr lang="es-ES" b="0" dirty="0">
-                <a:solidFill>
-                  <a:srgbClr val="517E76"/>
-                </a:solidFill>
-                <a:effectLst/>
-                <a:latin typeface="Consolas" panose="020B0609020204030204" pitchFamily="49" charset="0"/>
-              </a:rPr>
-              <a:t/>
-            </a:r>
             <a:br>
               <a:rPr lang="es-ES" b="0" dirty="0">
                 <a:solidFill>
@@ -4565,7 +4972,7 @@
           <p:spPr>
             <a:xfrm>
               <a:off x="647059" y="160224"/>
-              <a:ext cx="8009500" cy="769441"/>
+              <a:ext cx="8280408" cy="769441"/>
             </a:xfrm>
             <a:prstGeom prst="rect">
               <a:avLst/>
@@ -4579,28 +4986,12 @@
             <a:lstStyle/>
             <a:p>
               <a:r>
-                <a:rPr lang="es-ES" sz="4400" dirty="0" smtClean="0">
+                <a:rPr lang="es-ES" sz="4400" dirty="0">
                   <a:solidFill>
                     <a:schemeClr val="bg1"/>
                   </a:solidFill>
                 </a:rPr>
-                <a:t>Pipeline </a:t>
-              </a:r>
-              <a:r>
-                <a:rPr lang="es-ES" sz="4400" dirty="0" err="1" smtClean="0">
-                  <a:solidFill>
-                    <a:schemeClr val="bg1"/>
-                  </a:solidFill>
-                </a:rPr>
-                <a:t>preprocesado</a:t>
-              </a:r>
-              <a:r>
-                <a:rPr lang="es-ES" sz="4400" dirty="0" smtClean="0">
-                  <a:solidFill>
-                    <a:schemeClr val="bg1"/>
-                  </a:solidFill>
-                </a:rPr>
-                <a:t> categóricas</a:t>
+                <a:t>Pipeline preprocesado categóricas I</a:t>
               </a:r>
               <a:endParaRPr lang="en-US" sz="4400" dirty="0">
                 <a:solidFill>
@@ -4611,6 +5002,78 @@
           </p:txBody>
         </p:sp>
       </p:grpSp>
+      <p:pic>
+        <p:nvPicPr>
+          <p:cNvPr id="3" name="Imagen 2" descr="Interfaz de usuario gráfica, Texto, Aplicación&#10;&#10;El contenido generado por IA puede ser incorrecto.">
+            <a:extLst>
+              <a:ext uri="{FF2B5EF4-FFF2-40B4-BE49-F238E27FC236}">
+                <a16:creationId xmlns:a16="http://schemas.microsoft.com/office/drawing/2014/main" id="{50A70270-8D0C-A2D4-2461-E661A7728881}"/>
+              </a:ext>
+            </a:extLst>
+          </p:cNvPr>
+          <p:cNvPicPr>
+            <a:picLocks noChangeAspect="1"/>
+          </p:cNvPicPr>
+          <p:nvPr/>
+        </p:nvPicPr>
+        <p:blipFill>
+          <a:blip r:embed="rId3">
+            <a:extLst>
+              <a:ext uri="{28A0092B-C50C-407E-A947-70E740481C1C}">
+                <a14:useLocalDpi xmlns:a14="http://schemas.microsoft.com/office/drawing/2010/main" val="0"/>
+              </a:ext>
+            </a:extLst>
+          </a:blip>
+          <a:stretch>
+            <a:fillRect/>
+          </a:stretch>
+        </p:blipFill>
+        <p:spPr>
+          <a:xfrm>
+            <a:off x="472576" y="2005951"/>
+            <a:ext cx="8611802" cy="2410161"/>
+          </a:xfrm>
+          <a:prstGeom prst="rect">
+            <a:avLst/>
+          </a:prstGeom>
+        </p:spPr>
+      </p:pic>
+      <p:pic>
+        <p:nvPicPr>
+          <p:cNvPr id="5" name="Imagen 4" descr="Interfaz de usuario gráfica, Aplicación, Word&#10;&#10;El contenido generado por IA puede ser incorrecto.">
+            <a:extLst>
+              <a:ext uri="{FF2B5EF4-FFF2-40B4-BE49-F238E27FC236}">
+                <a16:creationId xmlns:a16="http://schemas.microsoft.com/office/drawing/2014/main" id="{D5742A98-BC40-C6EF-40AF-284C9A17F277}"/>
+              </a:ext>
+            </a:extLst>
+          </p:cNvPr>
+          <p:cNvPicPr>
+            <a:picLocks noChangeAspect="1"/>
+          </p:cNvPicPr>
+          <p:nvPr/>
+        </p:nvPicPr>
+        <p:blipFill>
+          <a:blip r:embed="rId4">
+            <a:extLst>
+              <a:ext uri="{28A0092B-C50C-407E-A947-70E740481C1C}">
+                <a14:useLocalDpi xmlns:a14="http://schemas.microsoft.com/office/drawing/2010/main" val="0"/>
+              </a:ext>
+            </a:extLst>
+          </a:blip>
+          <a:stretch>
+            <a:fillRect/>
+          </a:stretch>
+        </p:blipFill>
+        <p:spPr>
+          <a:xfrm>
+            <a:off x="5331870" y="5332172"/>
+            <a:ext cx="6649378" cy="1009791"/>
+          </a:xfrm>
+          <a:prstGeom prst="rect">
+            <a:avLst/>
+          </a:prstGeom>
+        </p:spPr>
+      </p:pic>
     </p:spTree>
     <p:extLst>
       <p:ext uri="{BB962C8B-B14F-4D97-AF65-F5344CB8AC3E}">
@@ -4625,6 +5088,221 @@
 </file>
 
 <file path=ppt/slides/slide7.xml><?xml version="1.0" encoding="utf-8"?>
+<p:sld xmlns:a="http://schemas.openxmlformats.org/drawingml/2006/main" xmlns:r="http://schemas.openxmlformats.org/officeDocument/2006/relationships" xmlns:p="http://schemas.openxmlformats.org/presentationml/2006/main">
+  <p:cSld>
+    <p:spTree>
+      <p:nvGrpSpPr>
+        <p:cNvPr id="1" name="">
+          <a:extLst>
+            <a:ext uri="{FF2B5EF4-FFF2-40B4-BE49-F238E27FC236}">
+              <a16:creationId xmlns:a16="http://schemas.microsoft.com/office/drawing/2014/main" id="{776008FC-8240-B08A-0DB7-B51E27B76B53}"/>
+            </a:ext>
+          </a:extLst>
+        </p:cNvPr>
+        <p:cNvGrpSpPr/>
+        <p:nvPr/>
+      </p:nvGrpSpPr>
+      <p:grpSpPr>
+        <a:xfrm>
+          <a:off x="0" y="0"/>
+          <a:ext cx="0" cy="0"/>
+          <a:chOff x="0" y="0"/>
+          <a:chExt cx="0" cy="0"/>
+        </a:xfrm>
+      </p:grpSpPr>
+      <p:grpSp>
+        <p:nvGrpSpPr>
+          <p:cNvPr id="11" name="Group 10">
+            <a:extLst>
+              <a:ext uri="{FF2B5EF4-FFF2-40B4-BE49-F238E27FC236}">
+                <a16:creationId xmlns:a16="http://schemas.microsoft.com/office/drawing/2014/main" id="{0EA7421D-2F9E-DBCD-F140-EEBF7BE68911}"/>
+              </a:ext>
+            </a:extLst>
+          </p:cNvPr>
+          <p:cNvGrpSpPr/>
+          <p:nvPr/>
+        </p:nvGrpSpPr>
+        <p:grpSpPr>
+          <a:xfrm>
+            <a:off x="0" y="0"/>
+            <a:ext cx="12192000" cy="1089891"/>
+            <a:chOff x="0" y="0"/>
+            <a:chExt cx="12192000" cy="1089891"/>
+          </a:xfrm>
+        </p:grpSpPr>
+        <p:sp>
+          <p:nvSpPr>
+            <p:cNvPr id="12" name="Rectangle 11">
+              <a:extLst>
+                <a:ext uri="{FF2B5EF4-FFF2-40B4-BE49-F238E27FC236}">
+                  <a16:creationId xmlns:a16="http://schemas.microsoft.com/office/drawing/2014/main" id="{602004F0-A62A-D875-8D7B-6F59784B3C2B}"/>
+                </a:ext>
+              </a:extLst>
+            </p:cNvPr>
+            <p:cNvSpPr/>
+            <p:nvPr/>
+          </p:nvSpPr>
+          <p:spPr>
+            <a:xfrm>
+              <a:off x="0" y="0"/>
+              <a:ext cx="12192000" cy="1089891"/>
+            </a:xfrm>
+            <a:prstGeom prst="rect">
+              <a:avLst/>
+            </a:prstGeom>
+            <a:solidFill>
+              <a:srgbClr val="84C6B8"/>
+            </a:solidFill>
+            <a:ln>
+              <a:noFill/>
+            </a:ln>
+          </p:spPr>
+          <p:style>
+            <a:lnRef idx="2">
+              <a:schemeClr val="accent1">
+                <a:shade val="50000"/>
+              </a:schemeClr>
+            </a:lnRef>
+            <a:fillRef idx="1">
+              <a:schemeClr val="accent1"/>
+            </a:fillRef>
+            <a:effectRef idx="0">
+              <a:schemeClr val="accent1"/>
+            </a:effectRef>
+            <a:fontRef idx="minor">
+              <a:schemeClr val="lt1"/>
+            </a:fontRef>
+          </p:style>
+          <p:txBody>
+            <a:bodyPr rtlCol="0" anchor="ctr"/>
+            <a:lstStyle/>
+            <a:p>
+              <a:pPr algn="ctr"/>
+              <a:endParaRPr lang="en-US" dirty="0"/>
+            </a:p>
+          </p:txBody>
+        </p:sp>
+        <p:pic>
+          <p:nvPicPr>
+            <p:cNvPr id="13" name="Picture 12">
+              <a:extLst>
+                <a:ext uri="{FF2B5EF4-FFF2-40B4-BE49-F238E27FC236}">
+                  <a16:creationId xmlns:a16="http://schemas.microsoft.com/office/drawing/2014/main" id="{9B3BAB86-F316-5E7D-0A35-709EF6A976F6}"/>
+                </a:ext>
+              </a:extLst>
+            </p:cNvPr>
+            <p:cNvPicPr>
+              <a:picLocks noChangeAspect="1"/>
+            </p:cNvPicPr>
+            <p:nvPr/>
+          </p:nvPicPr>
+          <p:blipFill>
+            <a:blip r:embed="rId2"/>
+            <a:stretch>
+              <a:fillRect/>
+            </a:stretch>
+          </p:blipFill>
+          <p:spPr>
+            <a:xfrm>
+              <a:off x="10834254" y="94913"/>
+              <a:ext cx="908386" cy="908386"/>
+            </a:xfrm>
+            <a:prstGeom prst="roundRect">
+              <a:avLst>
+                <a:gd name="adj" fmla="val 16667"/>
+              </a:avLst>
+            </a:prstGeom>
+            <a:ln>
+              <a:noFill/>
+            </a:ln>
+            <a:effectLst>
+              <a:outerShdw blurRad="76200" dist="38100" dir="7800000" algn="tl" rotWithShape="0">
+                <a:srgbClr val="000000">
+                  <a:alpha val="40000"/>
+                </a:srgbClr>
+              </a:outerShdw>
+            </a:effectLst>
+            <a:scene3d>
+              <a:camera prst="orthographicFront"/>
+              <a:lightRig rig="contrasting" dir="t">
+                <a:rot lat="0" lon="0" rev="4200000"/>
+              </a:lightRig>
+            </a:scene3d>
+            <a:sp3d prstMaterial="plastic">
+              <a:bevelT w="381000" h="114300" prst="relaxedInset"/>
+              <a:contourClr>
+                <a:srgbClr val="969696"/>
+              </a:contourClr>
+            </a:sp3d>
+          </p:spPr>
+        </p:pic>
+        <p:sp>
+          <p:nvSpPr>
+            <p:cNvPr id="14" name="TextBox 13">
+              <a:extLst>
+                <a:ext uri="{FF2B5EF4-FFF2-40B4-BE49-F238E27FC236}">
+                  <a16:creationId xmlns:a16="http://schemas.microsoft.com/office/drawing/2014/main" id="{1817B5E3-F27B-1598-7FA8-CD98CC47B0A8}"/>
+                </a:ext>
+              </a:extLst>
+            </p:cNvPr>
+            <p:cNvSpPr txBox="1"/>
+            <p:nvPr/>
+          </p:nvSpPr>
+          <p:spPr>
+            <a:xfrm>
+              <a:off x="647059" y="160224"/>
+              <a:ext cx="8538491" cy="769441"/>
+            </a:xfrm>
+            <a:prstGeom prst="rect">
+              <a:avLst/>
+            </a:prstGeom>
+            <a:noFill/>
+          </p:spPr>
+          <p:txBody>
+            <a:bodyPr wrap="none" lIns="91440" tIns="45720" rIns="91440" bIns="45720" rtlCol="0" anchor="t">
+              <a:spAutoFit/>
+            </a:bodyPr>
+            <a:lstStyle/>
+            <a:p>
+              <a:r>
+                <a:rPr lang="es-ES" sz="4400" dirty="0">
+                  <a:solidFill>
+                    <a:schemeClr val="bg1"/>
+                  </a:solidFill>
+                </a:rPr>
+                <a:t>Pipeline preprocesado categóricas I </a:t>
+              </a:r>
+              <a:r>
+                <a:rPr lang="es-ES" sz="4400" dirty="0" err="1">
+                  <a:solidFill>
+                    <a:schemeClr val="bg1"/>
+                  </a:solidFill>
+                </a:rPr>
+                <a:t>I</a:t>
+              </a:r>
+              <a:endParaRPr lang="en-US" sz="4400" dirty="0">
+                <a:solidFill>
+                  <a:schemeClr val="bg1"/>
+                </a:solidFill>
+              </a:endParaRPr>
+            </a:p>
+          </p:txBody>
+        </p:sp>
+      </p:grpSp>
+    </p:spTree>
+    <p:extLst>
+      <p:ext uri="{BB962C8B-B14F-4D97-AF65-F5344CB8AC3E}">
+        <p14:creationId xmlns:p14="http://schemas.microsoft.com/office/powerpoint/2010/main" val="1980447678"/>
+      </p:ext>
+    </p:extLst>
+  </p:cSld>
+  <p:clrMapOvr>
+    <a:masterClrMapping/>
+  </p:clrMapOvr>
+</p:sld>
+</file>
+
+<file path=ppt/slides/slide8.xml><?xml version="1.0" encoding="utf-8"?>
 <p:sld xmlns:a="http://schemas.openxmlformats.org/drawingml/2006/main" xmlns:r="http://schemas.openxmlformats.org/officeDocument/2006/relationships" xmlns:p="http://schemas.openxmlformats.org/presentationml/2006/main">
   <p:cSld>
     <p:spTree>
@@ -4772,7 +5450,7 @@
             <a:lstStyle/>
             <a:p>
               <a:r>
-                <a:rPr lang="es-ES" sz="4400" dirty="0" smtClean="0">
+                <a:rPr lang="es-ES" sz="4400" dirty="0">
                   <a:solidFill>
                     <a:schemeClr val="bg1"/>
                   </a:solidFill>
@@ -4780,7 +5458,7 @@
                 <a:t>Pipeline </a:t>
               </a:r>
               <a:r>
-                <a:rPr lang="es-ES" sz="4400" dirty="0" err="1" smtClean="0">
+                <a:rPr lang="es-ES" sz="4400" dirty="0" err="1">
                   <a:solidFill>
                     <a:schemeClr val="bg1"/>
                   </a:solidFill>
@@ -4788,7 +5466,7 @@
                 <a:t>preprocesado</a:t>
               </a:r>
               <a:r>
-                <a:rPr lang="es-ES" sz="4400" dirty="0" smtClean="0">
+                <a:rPr lang="es-ES" sz="4400" dirty="0">
                   <a:solidFill>
                     <a:schemeClr val="bg1"/>
                   </a:solidFill>
@@ -4817,7 +5495,7 @@
 </p:sld>
 </file>
 
-<file path=ppt/slides/slide8.xml><?xml version="1.0" encoding="utf-8"?>
+<file path=ppt/slides/slide9.xml><?xml version="1.0" encoding="utf-8"?>
 <p:sld xmlns:a="http://schemas.openxmlformats.org/drawingml/2006/main" xmlns:r="http://schemas.openxmlformats.org/officeDocument/2006/relationships" xmlns:p="http://schemas.openxmlformats.org/presentationml/2006/main">
   <p:cSld>
     <p:spTree>
@@ -5541,422 +6219,6 @@
     <p:extLst>
       <p:ext uri="{BB962C8B-B14F-4D97-AF65-F5344CB8AC3E}">
         <p14:creationId xmlns:p14="http://schemas.microsoft.com/office/powerpoint/2010/main" val="489854422"/>
-      </p:ext>
-    </p:extLst>
-  </p:cSld>
-  <p:clrMapOvr>
-    <a:masterClrMapping/>
-  </p:clrMapOvr>
-</p:sld>
-</file>
-
-<file path=ppt/slides/slide9.xml><?xml version="1.0" encoding="utf-8"?>
-<p:sld xmlns:a="http://schemas.openxmlformats.org/drawingml/2006/main" xmlns:r="http://schemas.openxmlformats.org/officeDocument/2006/relationships" xmlns:p="http://schemas.openxmlformats.org/presentationml/2006/main">
-  <p:cSld>
-    <p:spTree>
-      <p:nvGrpSpPr>
-        <p:cNvPr id="1" name="">
-          <a:extLst>
-            <a:ext uri="{FF2B5EF4-FFF2-40B4-BE49-F238E27FC236}">
-              <a16:creationId xmlns:a16="http://schemas.microsoft.com/office/drawing/2014/main" id="{F220E518-96F2-15A4-D123-A1ABC905CE48}"/>
-            </a:ext>
-          </a:extLst>
-        </p:cNvPr>
-        <p:cNvGrpSpPr/>
-        <p:nvPr/>
-      </p:nvGrpSpPr>
-      <p:grpSpPr>
-        <a:xfrm>
-          <a:off x="0" y="0"/>
-          <a:ext cx="0" cy="0"/>
-          <a:chOff x="0" y="0"/>
-          <a:chExt cx="0" cy="0"/>
-        </a:xfrm>
-      </p:grpSpPr>
-      <p:grpSp>
-        <p:nvGrpSpPr>
-          <p:cNvPr id="11" name="Group 10">
-            <a:extLst>
-              <a:ext uri="{FF2B5EF4-FFF2-40B4-BE49-F238E27FC236}">
-                <a16:creationId xmlns:a16="http://schemas.microsoft.com/office/drawing/2014/main" id="{36AC4C0F-2D74-F7C2-4296-071FB2BC1EB2}"/>
-              </a:ext>
-            </a:extLst>
-          </p:cNvPr>
-          <p:cNvGrpSpPr/>
-          <p:nvPr/>
-        </p:nvGrpSpPr>
-        <p:grpSpPr>
-          <a:xfrm>
-            <a:off x="0" y="0"/>
-            <a:ext cx="12192000" cy="1089891"/>
-            <a:chOff x="0" y="0"/>
-            <a:chExt cx="12192000" cy="1089891"/>
-          </a:xfrm>
-        </p:grpSpPr>
-        <p:sp>
-          <p:nvSpPr>
-            <p:cNvPr id="12" name="Rectangle 11">
-              <a:extLst>
-                <a:ext uri="{FF2B5EF4-FFF2-40B4-BE49-F238E27FC236}">
-                  <a16:creationId xmlns:a16="http://schemas.microsoft.com/office/drawing/2014/main" id="{EFE76DAF-7755-3648-02B1-90E7217DE988}"/>
-                </a:ext>
-              </a:extLst>
-            </p:cNvPr>
-            <p:cNvSpPr/>
-            <p:nvPr/>
-          </p:nvSpPr>
-          <p:spPr>
-            <a:xfrm>
-              <a:off x="0" y="0"/>
-              <a:ext cx="12192000" cy="1089891"/>
-            </a:xfrm>
-            <a:prstGeom prst="rect">
-              <a:avLst/>
-            </a:prstGeom>
-            <a:solidFill>
-              <a:srgbClr val="84C6B8"/>
-            </a:solidFill>
-            <a:ln>
-              <a:noFill/>
-            </a:ln>
-          </p:spPr>
-          <p:style>
-            <a:lnRef idx="2">
-              <a:schemeClr val="accent1">
-                <a:shade val="50000"/>
-              </a:schemeClr>
-            </a:lnRef>
-            <a:fillRef idx="1">
-              <a:schemeClr val="accent1"/>
-            </a:fillRef>
-            <a:effectRef idx="0">
-              <a:schemeClr val="accent1"/>
-            </a:effectRef>
-            <a:fontRef idx="minor">
-              <a:schemeClr val="lt1"/>
-            </a:fontRef>
-          </p:style>
-          <p:txBody>
-            <a:bodyPr rtlCol="0" anchor="ctr"/>
-            <a:lstStyle/>
-            <a:p>
-              <a:pPr algn="ctr"/>
-              <a:endParaRPr lang="en-US" dirty="0"/>
-            </a:p>
-          </p:txBody>
-        </p:sp>
-        <p:pic>
-          <p:nvPicPr>
-            <p:cNvPr id="13" name="Picture 12">
-              <a:extLst>
-                <a:ext uri="{FF2B5EF4-FFF2-40B4-BE49-F238E27FC236}">
-                  <a16:creationId xmlns:a16="http://schemas.microsoft.com/office/drawing/2014/main" id="{307A5CE4-F49E-AE70-E4DF-EF3243D4BAB5}"/>
-                </a:ext>
-              </a:extLst>
-            </p:cNvPr>
-            <p:cNvPicPr>
-              <a:picLocks noChangeAspect="1"/>
-            </p:cNvPicPr>
-            <p:nvPr/>
-          </p:nvPicPr>
-          <p:blipFill>
-            <a:blip r:embed="rId2"/>
-            <a:stretch>
-              <a:fillRect/>
-            </a:stretch>
-          </p:blipFill>
-          <p:spPr>
-            <a:xfrm>
-              <a:off x="10834254" y="94913"/>
-              <a:ext cx="908386" cy="908386"/>
-            </a:xfrm>
-            <a:prstGeom prst="roundRect">
-              <a:avLst>
-                <a:gd name="adj" fmla="val 16667"/>
-              </a:avLst>
-            </a:prstGeom>
-            <a:ln>
-              <a:noFill/>
-            </a:ln>
-            <a:effectLst>
-              <a:outerShdw blurRad="76200" dist="38100" dir="7800000" algn="tl" rotWithShape="0">
-                <a:srgbClr val="000000">
-                  <a:alpha val="40000"/>
-                </a:srgbClr>
-              </a:outerShdw>
-            </a:effectLst>
-            <a:scene3d>
-              <a:camera prst="orthographicFront"/>
-              <a:lightRig rig="contrasting" dir="t">
-                <a:rot lat="0" lon="0" rev="4200000"/>
-              </a:lightRig>
-            </a:scene3d>
-            <a:sp3d prstMaterial="plastic">
-              <a:bevelT w="381000" h="114300" prst="relaxedInset"/>
-              <a:contourClr>
-                <a:srgbClr val="969696"/>
-              </a:contourClr>
-            </a:sp3d>
-          </p:spPr>
-        </p:pic>
-        <p:sp>
-          <p:nvSpPr>
-            <p:cNvPr id="14" name="TextBox 13">
-              <a:extLst>
-                <a:ext uri="{FF2B5EF4-FFF2-40B4-BE49-F238E27FC236}">
-                  <a16:creationId xmlns:a16="http://schemas.microsoft.com/office/drawing/2014/main" id="{EB99BE78-4AB1-689A-3F53-D3E890641102}"/>
-                </a:ext>
-              </a:extLst>
-            </p:cNvPr>
-            <p:cNvSpPr txBox="1"/>
-            <p:nvPr/>
-          </p:nvSpPr>
-          <p:spPr>
-            <a:xfrm>
-              <a:off x="647059" y="160224"/>
-              <a:ext cx="6301853" cy="769441"/>
-            </a:xfrm>
-            <a:prstGeom prst="rect">
-              <a:avLst/>
-            </a:prstGeom>
-            <a:noFill/>
-          </p:spPr>
-          <p:txBody>
-            <a:bodyPr wrap="none" lIns="91440" tIns="45720" rIns="91440" bIns="45720" rtlCol="0" anchor="t">
-              <a:spAutoFit/>
-            </a:bodyPr>
-            <a:lstStyle/>
-            <a:p>
-              <a:r>
-                <a:rPr lang="es-ES" sz="4400" dirty="0">
-                  <a:solidFill>
-                    <a:schemeClr val="bg1"/>
-                  </a:solidFill>
-                </a:rPr>
-                <a:t>Ajuste de </a:t>
-              </a:r>
-              <a:r>
-                <a:rPr lang="es-ES" sz="4400" dirty="0" err="1">
-                  <a:solidFill>
-                    <a:schemeClr val="bg1"/>
-                  </a:solidFill>
-                </a:rPr>
-                <a:t>hiperparámetros</a:t>
-              </a:r>
-              <a:endParaRPr lang="en-US" sz="4400" dirty="0" err="1">
-                <a:solidFill>
-                  <a:schemeClr val="bg1"/>
-                </a:solidFill>
-              </a:endParaRPr>
-            </a:p>
-          </p:txBody>
-        </p:sp>
-      </p:grpSp>
-      <p:sp>
-        <p:nvSpPr>
-          <p:cNvPr id="3" name="CuadroTexto 2">
-            <a:extLst>
-              <a:ext uri="{FF2B5EF4-FFF2-40B4-BE49-F238E27FC236}">
-                <a16:creationId xmlns:a16="http://schemas.microsoft.com/office/drawing/2014/main" id="{9EE87CC4-8034-A910-99AA-D37E1004C047}"/>
-              </a:ext>
-            </a:extLst>
-          </p:cNvPr>
-          <p:cNvSpPr txBox="1"/>
-          <p:nvPr/>
-        </p:nvSpPr>
-        <p:spPr>
-          <a:xfrm>
-            <a:off x="279400" y="1182511"/>
-            <a:ext cx="11181645" cy="369332"/>
-          </a:xfrm>
-          <a:prstGeom prst="rect">
-            <a:avLst/>
-          </a:prstGeom>
-          <a:noFill/>
-        </p:spPr>
-        <p:txBody>
-          <a:bodyPr rot="0" spcFirstLastPara="0" vertOverflow="overflow" horzOverflow="overflow" vert="horz" wrap="square" lIns="91440" tIns="45720" rIns="91440" bIns="45720" numCol="1" spcCol="0" rtlCol="0" fromWordArt="0" anchor="t" anchorCtr="0" forceAA="0" compatLnSpc="1">
-            <a:prstTxWarp prst="textNoShape">
-              <a:avLst/>
-            </a:prstTxWarp>
-            <a:spAutoFit/>
-          </a:bodyPr>
-          <a:lstStyle/>
-          <a:p>
-            <a:r>
-              <a:rPr lang="es-ES" dirty="0">
-                <a:solidFill>
-                  <a:srgbClr val="517E76"/>
-                </a:solidFill>
-              </a:rPr>
-              <a:t>Se ha utilizado </a:t>
-            </a:r>
-            <a:r>
-              <a:rPr lang="es-ES" dirty="0" err="1">
-                <a:solidFill>
-                  <a:srgbClr val="517E76"/>
-                </a:solidFill>
-              </a:rPr>
-              <a:t>GridSearch</a:t>
-            </a:r>
-            <a:r>
-              <a:rPr lang="es-ES" dirty="0">
-                <a:solidFill>
-                  <a:srgbClr val="517E76"/>
-                </a:solidFill>
-              </a:rPr>
-              <a:t> el mejor modelo ha resultado ser el XGB con los siguientes parámetros:</a:t>
-            </a:r>
-            <a:endParaRPr lang="es-ES" dirty="0" err="1">
-              <a:solidFill>
-                <a:srgbClr val="517E76"/>
-              </a:solidFill>
-              <a:ea typeface="Calibri"/>
-              <a:cs typeface="Calibri"/>
-            </a:endParaRPr>
-          </a:p>
-        </p:txBody>
-      </p:sp>
-      <p:pic>
-        <p:nvPicPr>
-          <p:cNvPr id="2" name="Imagen 1">
-            <a:extLst>
-              <a:ext uri="{FF2B5EF4-FFF2-40B4-BE49-F238E27FC236}">
-                <a16:creationId xmlns:a16="http://schemas.microsoft.com/office/drawing/2014/main" id="{5DA63DAC-8AEC-C6DC-003C-36CAC2EBAD2C}"/>
-              </a:ext>
-            </a:extLst>
-          </p:cNvPr>
-          <p:cNvPicPr>
-            <a:picLocks noChangeAspect="1"/>
-          </p:cNvPicPr>
-          <p:nvPr/>
-        </p:nvPicPr>
-        <p:blipFill>
-          <a:blip r:embed="rId3"/>
-          <a:stretch>
-            <a:fillRect/>
-          </a:stretch>
-        </p:blipFill>
-        <p:spPr>
-          <a:xfrm>
-            <a:off x="64206" y="2002719"/>
-            <a:ext cx="2538588" cy="1342671"/>
-          </a:xfrm>
-          <a:prstGeom prst="rect">
-            <a:avLst/>
-          </a:prstGeom>
-        </p:spPr>
-      </p:pic>
-      <p:pic>
-        <p:nvPicPr>
-          <p:cNvPr id="6" name="Imagen 5" descr="Interfaz de usuario gráfica, Sitio web&#10;&#10;El contenido generado por inteligencia artificial puede ser incorrecto.">
-            <a:extLst>
-              <a:ext uri="{FF2B5EF4-FFF2-40B4-BE49-F238E27FC236}">
-                <a16:creationId xmlns:a16="http://schemas.microsoft.com/office/drawing/2014/main" id="{281BA477-9169-6A68-D694-C9906442B596}"/>
-              </a:ext>
-            </a:extLst>
-          </p:cNvPr>
-          <p:cNvPicPr>
-            <a:picLocks noChangeAspect="1"/>
-          </p:cNvPicPr>
-          <p:nvPr/>
-        </p:nvPicPr>
-        <p:blipFill>
-          <a:blip r:embed="rId4"/>
-          <a:stretch>
-            <a:fillRect/>
-          </a:stretch>
-        </p:blipFill>
-        <p:spPr>
-          <a:xfrm>
-            <a:off x="2642481" y="2666824"/>
-            <a:ext cx="7019925" cy="3838575"/>
-          </a:xfrm>
-          <a:prstGeom prst="rect">
-            <a:avLst/>
-          </a:prstGeom>
-        </p:spPr>
-      </p:pic>
-      <p:sp>
-        <p:nvSpPr>
-          <p:cNvPr id="8" name="Flecha: doblada hacia arriba 7">
-            <a:extLst>
-              <a:ext uri="{FF2B5EF4-FFF2-40B4-BE49-F238E27FC236}">
-                <a16:creationId xmlns:a16="http://schemas.microsoft.com/office/drawing/2014/main" id="{22C5ED75-9F54-CE71-A28C-BCDD22A497BC}"/>
-              </a:ext>
-            </a:extLst>
-          </p:cNvPr>
-          <p:cNvSpPr/>
-          <p:nvPr/>
-        </p:nvSpPr>
-        <p:spPr>
-          <a:xfrm rot="5400000">
-            <a:off x="1065388" y="3506609"/>
-            <a:ext cx="1538110" cy="1255888"/>
-          </a:xfrm>
-          <a:prstGeom prst="bentUpArrow">
-            <a:avLst/>
-          </a:prstGeom>
-        </p:spPr>
-        <p:style>
-          <a:lnRef idx="2">
-            <a:schemeClr val="accent1">
-              <a:shade val="15000"/>
-            </a:schemeClr>
-          </a:lnRef>
-          <a:fillRef idx="1">
-            <a:schemeClr val="accent1"/>
-          </a:fillRef>
-          <a:effectRef idx="0">
-            <a:schemeClr val="accent1"/>
-          </a:effectRef>
-          <a:fontRef idx="minor">
-            <a:schemeClr val="lt1"/>
-          </a:fontRef>
-        </p:style>
-        <p:txBody>
-          <a:bodyPr rtlCol="0" anchor="ctr"/>
-          <a:lstStyle/>
-          <a:p>
-            <a:pPr algn="ctr"/>
-            <a:endParaRPr lang="es-ES"/>
-          </a:p>
-        </p:txBody>
-      </p:sp>
-      <p:pic>
-        <p:nvPicPr>
-          <p:cNvPr id="9" name="Imagen 8" descr="Texto&#10;&#10;El contenido generado por inteligencia artificial puede ser incorrecto.">
-            <a:extLst>
-              <a:ext uri="{FF2B5EF4-FFF2-40B4-BE49-F238E27FC236}">
-                <a16:creationId xmlns:a16="http://schemas.microsoft.com/office/drawing/2014/main" id="{26DADA84-9880-87FD-AF1C-7AF466919960}"/>
-              </a:ext>
-            </a:extLst>
-          </p:cNvPr>
-          <p:cNvPicPr>
-            <a:picLocks noChangeAspect="1"/>
-          </p:cNvPicPr>
-          <p:nvPr/>
-        </p:nvPicPr>
-        <p:blipFill>
-          <a:blip r:embed="rId5"/>
-          <a:stretch>
-            <a:fillRect/>
-          </a:stretch>
-        </p:blipFill>
-        <p:spPr>
-          <a:xfrm>
-            <a:off x="7996415" y="1548694"/>
-            <a:ext cx="4073171" cy="1347611"/>
-          </a:xfrm>
-          <a:prstGeom prst="rect">
-            <a:avLst/>
-          </a:prstGeom>
-        </p:spPr>
-      </p:pic>
-    </p:spTree>
-    <p:extLst>
-      <p:ext uri="{BB962C8B-B14F-4D97-AF65-F5344CB8AC3E}">
-        <p14:creationId xmlns:p14="http://schemas.microsoft.com/office/powerpoint/2010/main" val="3230465211"/>
       </p:ext>
     </p:extLst>
   </p:cSld>

--- a/Team_MPG 1.pptx
+++ b/Team_MPG 1.pptx
@@ -10,8 +10,8 @@
     <p:sldId id="258" r:id="rId4"/>
     <p:sldId id="259" r:id="rId5"/>
     <p:sldId id="260" r:id="rId6"/>
-    <p:sldId id="263" r:id="rId7"/>
-    <p:sldId id="266" r:id="rId8"/>
+    <p:sldId id="266" r:id="rId7"/>
+    <p:sldId id="263" r:id="rId8"/>
     <p:sldId id="265" r:id="rId9"/>
     <p:sldId id="261" r:id="rId10"/>
     <p:sldId id="262" r:id="rId11"/>
@@ -4843,255 +4843,6 @@
   <p:cSld>
     <p:spTree>
       <p:nvGrpSpPr>
-        <p:cNvPr id="1" name=""/>
-        <p:cNvGrpSpPr/>
-        <p:nvPr/>
-      </p:nvGrpSpPr>
-      <p:grpSpPr>
-        <a:xfrm>
-          <a:off x="0" y="0"/>
-          <a:ext cx="0" cy="0"/>
-          <a:chOff x="0" y="0"/>
-          <a:chExt cx="0" cy="0"/>
-        </a:xfrm>
-      </p:grpSpPr>
-      <p:grpSp>
-        <p:nvGrpSpPr>
-          <p:cNvPr id="11" name="Group 10"/>
-          <p:cNvGrpSpPr/>
-          <p:nvPr/>
-        </p:nvGrpSpPr>
-        <p:grpSpPr>
-          <a:xfrm>
-            <a:off x="0" y="0"/>
-            <a:ext cx="12192000" cy="1089891"/>
-            <a:chOff x="0" y="0"/>
-            <a:chExt cx="12192000" cy="1089891"/>
-          </a:xfrm>
-        </p:grpSpPr>
-        <p:sp>
-          <p:nvSpPr>
-            <p:cNvPr id="12" name="Rectangle 11"/>
-            <p:cNvSpPr/>
-            <p:nvPr/>
-          </p:nvSpPr>
-          <p:spPr>
-            <a:xfrm>
-              <a:off x="0" y="0"/>
-              <a:ext cx="12192000" cy="1089891"/>
-            </a:xfrm>
-            <a:prstGeom prst="rect">
-              <a:avLst/>
-            </a:prstGeom>
-            <a:solidFill>
-              <a:srgbClr val="84C6B8"/>
-            </a:solidFill>
-            <a:ln>
-              <a:noFill/>
-            </a:ln>
-          </p:spPr>
-          <p:style>
-            <a:lnRef idx="2">
-              <a:schemeClr val="accent1">
-                <a:shade val="50000"/>
-              </a:schemeClr>
-            </a:lnRef>
-            <a:fillRef idx="1">
-              <a:schemeClr val="accent1"/>
-            </a:fillRef>
-            <a:effectRef idx="0">
-              <a:schemeClr val="accent1"/>
-            </a:effectRef>
-            <a:fontRef idx="minor">
-              <a:schemeClr val="lt1"/>
-            </a:fontRef>
-          </p:style>
-          <p:txBody>
-            <a:bodyPr rtlCol="0" anchor="ctr"/>
-            <a:lstStyle/>
-            <a:p>
-              <a:pPr algn="ctr"/>
-              <a:endParaRPr lang="en-US" dirty="0"/>
-            </a:p>
-          </p:txBody>
-        </p:sp>
-        <p:pic>
-          <p:nvPicPr>
-            <p:cNvPr id="13" name="Picture 12"/>
-            <p:cNvPicPr>
-              <a:picLocks noChangeAspect="1"/>
-            </p:cNvPicPr>
-            <p:nvPr/>
-          </p:nvPicPr>
-          <p:blipFill>
-            <a:blip r:embed="rId2"/>
-            <a:stretch>
-              <a:fillRect/>
-            </a:stretch>
-          </p:blipFill>
-          <p:spPr>
-            <a:xfrm>
-              <a:off x="10834254" y="94913"/>
-              <a:ext cx="908386" cy="908386"/>
-            </a:xfrm>
-            <a:prstGeom prst="roundRect">
-              <a:avLst>
-                <a:gd name="adj" fmla="val 16667"/>
-              </a:avLst>
-            </a:prstGeom>
-            <a:ln>
-              <a:noFill/>
-            </a:ln>
-            <a:effectLst>
-              <a:outerShdw blurRad="76200" dist="38100" dir="7800000" algn="tl" rotWithShape="0">
-                <a:srgbClr val="000000">
-                  <a:alpha val="40000"/>
-                </a:srgbClr>
-              </a:outerShdw>
-            </a:effectLst>
-            <a:scene3d>
-              <a:camera prst="orthographicFront"/>
-              <a:lightRig rig="contrasting" dir="t">
-                <a:rot lat="0" lon="0" rev="4200000"/>
-              </a:lightRig>
-            </a:scene3d>
-            <a:sp3d prstMaterial="plastic">
-              <a:bevelT w="381000" h="114300" prst="relaxedInset"/>
-              <a:contourClr>
-                <a:srgbClr val="969696"/>
-              </a:contourClr>
-            </a:sp3d>
-          </p:spPr>
-        </p:pic>
-        <p:sp>
-          <p:nvSpPr>
-            <p:cNvPr id="14" name="TextBox 13"/>
-            <p:cNvSpPr txBox="1"/>
-            <p:nvPr/>
-          </p:nvSpPr>
-          <p:spPr>
-            <a:xfrm>
-              <a:off x="647059" y="160224"/>
-              <a:ext cx="8280408" cy="769441"/>
-            </a:xfrm>
-            <a:prstGeom prst="rect">
-              <a:avLst/>
-            </a:prstGeom>
-            <a:noFill/>
-          </p:spPr>
-          <p:txBody>
-            <a:bodyPr wrap="none" lIns="91440" tIns="45720" rIns="91440" bIns="45720" rtlCol="0" anchor="t">
-              <a:spAutoFit/>
-            </a:bodyPr>
-            <a:lstStyle/>
-            <a:p>
-              <a:r>
-                <a:rPr lang="es-ES" sz="4400" dirty="0">
-                  <a:solidFill>
-                    <a:schemeClr val="bg1"/>
-                  </a:solidFill>
-                </a:rPr>
-                <a:t>Pipeline preprocesado categóricas I</a:t>
-              </a:r>
-              <a:endParaRPr lang="en-US" sz="4400" dirty="0">
-                <a:solidFill>
-                  <a:schemeClr val="bg1"/>
-                </a:solidFill>
-              </a:endParaRPr>
-            </a:p>
-          </p:txBody>
-        </p:sp>
-      </p:grpSp>
-      <p:pic>
-        <p:nvPicPr>
-          <p:cNvPr id="3" name="Imagen 2" descr="Interfaz de usuario gráfica, Texto, Aplicación&#10;&#10;El contenido generado por IA puede ser incorrecto.">
-            <a:extLst>
-              <a:ext uri="{FF2B5EF4-FFF2-40B4-BE49-F238E27FC236}">
-                <a16:creationId xmlns:a16="http://schemas.microsoft.com/office/drawing/2014/main" id="{50A70270-8D0C-A2D4-2461-E661A7728881}"/>
-              </a:ext>
-            </a:extLst>
-          </p:cNvPr>
-          <p:cNvPicPr>
-            <a:picLocks noChangeAspect="1"/>
-          </p:cNvPicPr>
-          <p:nvPr/>
-        </p:nvPicPr>
-        <p:blipFill>
-          <a:blip r:embed="rId3">
-            <a:extLst>
-              <a:ext uri="{28A0092B-C50C-407E-A947-70E740481C1C}">
-                <a14:useLocalDpi xmlns:a14="http://schemas.microsoft.com/office/drawing/2010/main" val="0"/>
-              </a:ext>
-            </a:extLst>
-          </a:blip>
-          <a:stretch>
-            <a:fillRect/>
-          </a:stretch>
-        </p:blipFill>
-        <p:spPr>
-          <a:xfrm>
-            <a:off x="472576" y="2005951"/>
-            <a:ext cx="8611802" cy="2410161"/>
-          </a:xfrm>
-          <a:prstGeom prst="rect">
-            <a:avLst/>
-          </a:prstGeom>
-        </p:spPr>
-      </p:pic>
-      <p:pic>
-        <p:nvPicPr>
-          <p:cNvPr id="5" name="Imagen 4" descr="Interfaz de usuario gráfica, Aplicación, Word&#10;&#10;El contenido generado por IA puede ser incorrecto.">
-            <a:extLst>
-              <a:ext uri="{FF2B5EF4-FFF2-40B4-BE49-F238E27FC236}">
-                <a16:creationId xmlns:a16="http://schemas.microsoft.com/office/drawing/2014/main" id="{D5742A98-BC40-C6EF-40AF-284C9A17F277}"/>
-              </a:ext>
-            </a:extLst>
-          </p:cNvPr>
-          <p:cNvPicPr>
-            <a:picLocks noChangeAspect="1"/>
-          </p:cNvPicPr>
-          <p:nvPr/>
-        </p:nvPicPr>
-        <p:blipFill>
-          <a:blip r:embed="rId4">
-            <a:extLst>
-              <a:ext uri="{28A0092B-C50C-407E-A947-70E740481C1C}">
-                <a14:useLocalDpi xmlns:a14="http://schemas.microsoft.com/office/drawing/2010/main" val="0"/>
-              </a:ext>
-            </a:extLst>
-          </a:blip>
-          <a:stretch>
-            <a:fillRect/>
-          </a:stretch>
-        </p:blipFill>
-        <p:spPr>
-          <a:xfrm>
-            <a:off x="5331870" y="5332172"/>
-            <a:ext cx="6649378" cy="1009791"/>
-          </a:xfrm>
-          <a:prstGeom prst="rect">
-            <a:avLst/>
-          </a:prstGeom>
-        </p:spPr>
-      </p:pic>
-    </p:spTree>
-    <p:extLst>
-      <p:ext uri="{BB962C8B-B14F-4D97-AF65-F5344CB8AC3E}">
-        <p14:creationId xmlns:p14="http://schemas.microsoft.com/office/powerpoint/2010/main" val="3627628477"/>
-      </p:ext>
-    </p:extLst>
-  </p:cSld>
-  <p:clrMapOvr>
-    <a:masterClrMapping/>
-  </p:clrMapOvr>
-</p:sld>
-</file>
-
-<file path=ppt/slides/slide7.xml><?xml version="1.0" encoding="utf-8"?>
-<p:sld xmlns:a="http://schemas.openxmlformats.org/drawingml/2006/main" xmlns:r="http://schemas.openxmlformats.org/officeDocument/2006/relationships" xmlns:p="http://schemas.openxmlformats.org/presentationml/2006/main">
-  <p:cSld>
-    <p:spTree>
-      <p:nvGrpSpPr>
         <p:cNvPr id="1" name="">
           <a:extLst>
             <a:ext uri="{FF2B5EF4-FFF2-40B4-BE49-F238E27FC236}">
@@ -5272,14 +5023,6 @@
                 </a:rPr>
                 <a:t>Pipeline preprocesado categóricas I </a:t>
               </a:r>
-              <a:r>
-                <a:rPr lang="es-ES" sz="4400" dirty="0" err="1">
-                  <a:solidFill>
-                    <a:schemeClr val="bg1"/>
-                  </a:solidFill>
-                </a:rPr>
-                <a:t>I</a:t>
-              </a:r>
               <a:endParaRPr lang="en-US" sz="4400" dirty="0">
                 <a:solidFill>
                   <a:schemeClr val="bg1"/>
@@ -5293,6 +5036,291 @@
     <p:extLst>
       <p:ext uri="{BB962C8B-B14F-4D97-AF65-F5344CB8AC3E}">
         <p14:creationId xmlns:p14="http://schemas.microsoft.com/office/powerpoint/2010/main" val="1980447678"/>
+      </p:ext>
+    </p:extLst>
+  </p:cSld>
+  <p:clrMapOvr>
+    <a:masterClrMapping/>
+  </p:clrMapOvr>
+</p:sld>
+</file>
+
+<file path=ppt/slides/slide7.xml><?xml version="1.0" encoding="utf-8"?>
+<p:sld xmlns:a="http://schemas.openxmlformats.org/drawingml/2006/main" xmlns:r="http://schemas.openxmlformats.org/officeDocument/2006/relationships" xmlns:p="http://schemas.openxmlformats.org/presentationml/2006/main">
+  <p:cSld>
+    <p:spTree>
+      <p:nvGrpSpPr>
+        <p:cNvPr id="1" name=""/>
+        <p:cNvGrpSpPr/>
+        <p:nvPr/>
+      </p:nvGrpSpPr>
+      <p:grpSpPr>
+        <a:xfrm>
+          <a:off x="0" y="0"/>
+          <a:ext cx="0" cy="0"/>
+          <a:chOff x="0" y="0"/>
+          <a:chExt cx="0" cy="0"/>
+        </a:xfrm>
+      </p:grpSpPr>
+      <p:grpSp>
+        <p:nvGrpSpPr>
+          <p:cNvPr id="11" name="Group 10"/>
+          <p:cNvGrpSpPr/>
+          <p:nvPr/>
+        </p:nvGrpSpPr>
+        <p:grpSpPr>
+          <a:xfrm>
+            <a:off x="0" y="0"/>
+            <a:ext cx="12192000" cy="1089891"/>
+            <a:chOff x="0" y="0"/>
+            <a:chExt cx="12192000" cy="1089891"/>
+          </a:xfrm>
+        </p:grpSpPr>
+        <p:sp>
+          <p:nvSpPr>
+            <p:cNvPr id="12" name="Rectangle 11"/>
+            <p:cNvSpPr/>
+            <p:nvPr/>
+          </p:nvSpPr>
+          <p:spPr>
+            <a:xfrm>
+              <a:off x="0" y="0"/>
+              <a:ext cx="12192000" cy="1089891"/>
+            </a:xfrm>
+            <a:prstGeom prst="rect">
+              <a:avLst/>
+            </a:prstGeom>
+            <a:solidFill>
+              <a:srgbClr val="84C6B8"/>
+            </a:solidFill>
+            <a:ln>
+              <a:noFill/>
+            </a:ln>
+          </p:spPr>
+          <p:style>
+            <a:lnRef idx="2">
+              <a:schemeClr val="accent1">
+                <a:shade val="50000"/>
+              </a:schemeClr>
+            </a:lnRef>
+            <a:fillRef idx="1">
+              <a:schemeClr val="accent1"/>
+            </a:fillRef>
+            <a:effectRef idx="0">
+              <a:schemeClr val="accent1"/>
+            </a:effectRef>
+            <a:fontRef idx="minor">
+              <a:schemeClr val="lt1"/>
+            </a:fontRef>
+          </p:style>
+          <p:txBody>
+            <a:bodyPr rtlCol="0" anchor="ctr"/>
+            <a:lstStyle/>
+            <a:p>
+              <a:pPr algn="ctr"/>
+              <a:endParaRPr lang="en-US" dirty="0"/>
+            </a:p>
+          </p:txBody>
+        </p:sp>
+        <p:pic>
+          <p:nvPicPr>
+            <p:cNvPr id="13" name="Picture 12"/>
+            <p:cNvPicPr>
+              <a:picLocks noChangeAspect="1"/>
+            </p:cNvPicPr>
+            <p:nvPr/>
+          </p:nvPicPr>
+          <p:blipFill>
+            <a:blip r:embed="rId2"/>
+            <a:stretch>
+              <a:fillRect/>
+            </a:stretch>
+          </p:blipFill>
+          <p:spPr>
+            <a:xfrm>
+              <a:off x="10834254" y="94913"/>
+              <a:ext cx="908386" cy="908386"/>
+            </a:xfrm>
+            <a:prstGeom prst="roundRect">
+              <a:avLst>
+                <a:gd name="adj" fmla="val 16667"/>
+              </a:avLst>
+            </a:prstGeom>
+            <a:ln>
+              <a:noFill/>
+            </a:ln>
+            <a:effectLst>
+              <a:outerShdw blurRad="76200" dist="38100" dir="7800000" algn="tl" rotWithShape="0">
+                <a:srgbClr val="000000">
+                  <a:alpha val="40000"/>
+                </a:srgbClr>
+              </a:outerShdw>
+            </a:effectLst>
+            <a:scene3d>
+              <a:camera prst="orthographicFront"/>
+              <a:lightRig rig="contrasting" dir="t">
+                <a:rot lat="0" lon="0" rev="4200000"/>
+              </a:lightRig>
+            </a:scene3d>
+            <a:sp3d prstMaterial="plastic">
+              <a:bevelT w="381000" h="114300" prst="relaxedInset"/>
+              <a:contourClr>
+                <a:srgbClr val="969696"/>
+              </a:contourClr>
+            </a:sp3d>
+          </p:spPr>
+        </p:pic>
+        <p:sp>
+          <p:nvSpPr>
+            <p:cNvPr id="14" name="TextBox 13"/>
+            <p:cNvSpPr txBox="1"/>
+            <p:nvPr/>
+          </p:nvSpPr>
+          <p:spPr>
+            <a:xfrm>
+              <a:off x="647059" y="160224"/>
+              <a:ext cx="8551315" cy="769441"/>
+            </a:xfrm>
+            <a:prstGeom prst="rect">
+              <a:avLst/>
+            </a:prstGeom>
+            <a:noFill/>
+          </p:spPr>
+          <p:txBody>
+            <a:bodyPr wrap="none" lIns="91440" tIns="45720" rIns="91440" bIns="45720" rtlCol="0" anchor="t">
+              <a:spAutoFit/>
+            </a:bodyPr>
+            <a:lstStyle/>
+            <a:p>
+              <a:r>
+                <a:rPr lang="es-ES" sz="4400" dirty="0">
+                  <a:solidFill>
+                    <a:schemeClr val="bg1"/>
+                  </a:solidFill>
+                </a:rPr>
+                <a:t>Pipeline preprocesado categóricas II</a:t>
+              </a:r>
+              <a:endParaRPr lang="en-US" sz="4400" dirty="0">
+                <a:solidFill>
+                  <a:schemeClr val="bg1"/>
+                </a:solidFill>
+              </a:endParaRPr>
+            </a:p>
+          </p:txBody>
+        </p:sp>
+      </p:grpSp>
+      <p:pic>
+        <p:nvPicPr>
+          <p:cNvPr id="3" name="Imagen 2" descr="Interfaz de usuario gráfica, Texto, Aplicación&#10;&#10;El contenido generado por IA puede ser incorrecto.">
+            <a:extLst>
+              <a:ext uri="{FF2B5EF4-FFF2-40B4-BE49-F238E27FC236}">
+                <a16:creationId xmlns:a16="http://schemas.microsoft.com/office/drawing/2014/main" id="{50A70270-8D0C-A2D4-2461-E661A7728881}"/>
+              </a:ext>
+            </a:extLst>
+          </p:cNvPr>
+          <p:cNvPicPr>
+            <a:picLocks noChangeAspect="1"/>
+          </p:cNvPicPr>
+          <p:nvPr/>
+        </p:nvPicPr>
+        <p:blipFill>
+          <a:blip r:embed="rId3">
+            <a:extLst>
+              <a:ext uri="{28A0092B-C50C-407E-A947-70E740481C1C}">
+                <a14:useLocalDpi xmlns:a14="http://schemas.microsoft.com/office/drawing/2010/main" val="0"/>
+              </a:ext>
+            </a:extLst>
+          </a:blip>
+          <a:stretch>
+            <a:fillRect/>
+          </a:stretch>
+        </p:blipFill>
+        <p:spPr>
+          <a:xfrm>
+            <a:off x="647059" y="2843353"/>
+            <a:ext cx="8611802" cy="2410161"/>
+          </a:xfrm>
+          <a:prstGeom prst="rect">
+            <a:avLst/>
+          </a:prstGeom>
+        </p:spPr>
+      </p:pic>
+      <p:pic>
+        <p:nvPicPr>
+          <p:cNvPr id="5" name="Imagen 4" descr="Interfaz de usuario gráfica, Aplicación, Word&#10;&#10;El contenido generado por IA puede ser incorrecto.">
+            <a:extLst>
+              <a:ext uri="{FF2B5EF4-FFF2-40B4-BE49-F238E27FC236}">
+                <a16:creationId xmlns:a16="http://schemas.microsoft.com/office/drawing/2014/main" id="{D5742A98-BC40-C6EF-40AF-284C9A17F277}"/>
+              </a:ext>
+            </a:extLst>
+          </p:cNvPr>
+          <p:cNvPicPr>
+            <a:picLocks noChangeAspect="1"/>
+          </p:cNvPicPr>
+          <p:nvPr/>
+        </p:nvPicPr>
+        <p:blipFill>
+          <a:blip r:embed="rId4">
+            <a:extLst>
+              <a:ext uri="{28A0092B-C50C-407E-A947-70E740481C1C}">
+                <a14:useLocalDpi xmlns:a14="http://schemas.microsoft.com/office/drawing/2010/main" val="0"/>
+              </a:ext>
+            </a:extLst>
+          </a:blip>
+          <a:stretch>
+            <a:fillRect/>
+          </a:stretch>
+        </p:blipFill>
+        <p:spPr>
+          <a:xfrm>
+            <a:off x="4859921" y="5591515"/>
+            <a:ext cx="6649378" cy="1009791"/>
+          </a:xfrm>
+          <a:prstGeom prst="rect">
+            <a:avLst/>
+          </a:prstGeom>
+        </p:spPr>
+      </p:pic>
+      <p:pic>
+        <p:nvPicPr>
+          <p:cNvPr id="7" name="Imagen 6" descr="Texto&#10;&#10;El contenido generado por IA puede ser incorrecto.">
+            <a:extLst>
+              <a:ext uri="{FF2B5EF4-FFF2-40B4-BE49-F238E27FC236}">
+                <a16:creationId xmlns:a16="http://schemas.microsoft.com/office/drawing/2014/main" id="{EAC7614E-8F74-21AD-76DB-273C1197F86C}"/>
+              </a:ext>
+            </a:extLst>
+          </p:cNvPr>
+          <p:cNvPicPr>
+            <a:picLocks noChangeAspect="1"/>
+          </p:cNvPicPr>
+          <p:nvPr/>
+        </p:nvPicPr>
+        <p:blipFill>
+          <a:blip r:embed="rId5">
+            <a:extLst>
+              <a:ext uri="{28A0092B-C50C-407E-A947-70E740481C1C}">
+                <a14:useLocalDpi xmlns:a14="http://schemas.microsoft.com/office/drawing/2010/main" val="0"/>
+              </a:ext>
+            </a:extLst>
+          </a:blip>
+          <a:stretch>
+            <a:fillRect/>
+          </a:stretch>
+        </p:blipFill>
+        <p:spPr>
+          <a:xfrm>
+            <a:off x="359126" y="1266485"/>
+            <a:ext cx="4972744" cy="1190791"/>
+          </a:xfrm>
+          <a:prstGeom prst="rect">
+            <a:avLst/>
+          </a:prstGeom>
+        </p:spPr>
+      </p:pic>
+    </p:spTree>
+    <p:extLst>
+      <p:ext uri="{BB962C8B-B14F-4D97-AF65-F5344CB8AC3E}">
+        <p14:creationId xmlns:p14="http://schemas.microsoft.com/office/powerpoint/2010/main" val="3627628477"/>
       </p:ext>
     </p:extLst>
   </p:cSld>

--- a/Team_MPG 1.pptx
+++ b/Team_MPG 1.pptx
@@ -5032,6 +5032,53 @@
           </p:txBody>
         </p:sp>
       </p:grpSp>
+      <p:pic>
+        <p:nvPicPr>
+          <p:cNvPr id="1026" name="Picture 2">
+            <a:extLst>
+              <a:ext uri="{FF2B5EF4-FFF2-40B4-BE49-F238E27FC236}">
+                <a16:creationId xmlns:a16="http://schemas.microsoft.com/office/drawing/2014/main" id="{580BED25-DD78-4437-B0BA-6DAF4C0C3D4A}"/>
+              </a:ext>
+            </a:extLst>
+          </p:cNvPr>
+          <p:cNvPicPr>
+            <a:picLocks noChangeAspect="1" noChangeArrowheads="1"/>
+          </p:cNvPicPr>
+          <p:nvPr/>
+        </p:nvPicPr>
+        <p:blipFill>
+          <a:blip r:embed="rId3">
+            <a:extLst>
+              <a:ext uri="{28A0092B-C50C-407E-A947-70E740481C1C}">
+                <a14:useLocalDpi xmlns:a14="http://schemas.microsoft.com/office/drawing/2010/main" val="0"/>
+              </a:ext>
+            </a:extLst>
+          </a:blip>
+          <a:srcRect/>
+          <a:stretch>
+            <a:fillRect/>
+          </a:stretch>
+        </p:blipFill>
+        <p:spPr bwMode="auto">
+          <a:xfrm>
+            <a:off x="833669" y="1565244"/>
+            <a:ext cx="10648950" cy="4686300"/>
+          </a:xfrm>
+          <a:prstGeom prst="rect">
+            <a:avLst/>
+          </a:prstGeom>
+          <a:noFill/>
+          <a:extLst>
+            <a:ext uri="{909E8E84-426E-40DD-AFC4-6F175D3DCCD1}">
+              <a14:hiddenFill xmlns:a14="http://schemas.microsoft.com/office/drawing/2010/main">
+                <a:solidFill>
+                  <a:srgbClr val="FFFFFF"/>
+                </a:solidFill>
+              </a14:hiddenFill>
+            </a:ext>
+          </a:extLst>
+        </p:spPr>
+      </p:pic>
     </p:spTree>
     <p:extLst>
       <p:ext uri="{BB962C8B-B14F-4D97-AF65-F5344CB8AC3E}">

--- a/Team_MPG 1.pptx
+++ b/Team_MPG 1.pptx
@@ -10,8 +10,8 @@
     <p:sldId id="258" r:id="rId4"/>
     <p:sldId id="259" r:id="rId5"/>
     <p:sldId id="260" r:id="rId6"/>
-    <p:sldId id="266" r:id="rId7"/>
-    <p:sldId id="263" r:id="rId8"/>
+    <p:sldId id="263" r:id="rId7"/>
+    <p:sldId id="266" r:id="rId8"/>
     <p:sldId id="265" r:id="rId9"/>
     <p:sldId id="261" r:id="rId10"/>
     <p:sldId id="262" r:id="rId11"/>
@@ -4843,6 +4843,291 @@
   <p:cSld>
     <p:spTree>
       <p:nvGrpSpPr>
+        <p:cNvPr id="1" name=""/>
+        <p:cNvGrpSpPr/>
+        <p:nvPr/>
+      </p:nvGrpSpPr>
+      <p:grpSpPr>
+        <a:xfrm>
+          <a:off x="0" y="0"/>
+          <a:ext cx="0" cy="0"/>
+          <a:chOff x="0" y="0"/>
+          <a:chExt cx="0" cy="0"/>
+        </a:xfrm>
+      </p:grpSpPr>
+      <p:grpSp>
+        <p:nvGrpSpPr>
+          <p:cNvPr id="11" name="Group 10"/>
+          <p:cNvGrpSpPr/>
+          <p:nvPr/>
+        </p:nvGrpSpPr>
+        <p:grpSpPr>
+          <a:xfrm>
+            <a:off x="0" y="0"/>
+            <a:ext cx="12192000" cy="1089891"/>
+            <a:chOff x="0" y="0"/>
+            <a:chExt cx="12192000" cy="1089891"/>
+          </a:xfrm>
+        </p:grpSpPr>
+        <p:sp>
+          <p:nvSpPr>
+            <p:cNvPr id="12" name="Rectangle 11"/>
+            <p:cNvSpPr/>
+            <p:nvPr/>
+          </p:nvSpPr>
+          <p:spPr>
+            <a:xfrm>
+              <a:off x="0" y="0"/>
+              <a:ext cx="12192000" cy="1089891"/>
+            </a:xfrm>
+            <a:prstGeom prst="rect">
+              <a:avLst/>
+            </a:prstGeom>
+            <a:solidFill>
+              <a:srgbClr val="84C6B8"/>
+            </a:solidFill>
+            <a:ln>
+              <a:noFill/>
+            </a:ln>
+          </p:spPr>
+          <p:style>
+            <a:lnRef idx="2">
+              <a:schemeClr val="accent1">
+                <a:shade val="50000"/>
+              </a:schemeClr>
+            </a:lnRef>
+            <a:fillRef idx="1">
+              <a:schemeClr val="accent1"/>
+            </a:fillRef>
+            <a:effectRef idx="0">
+              <a:schemeClr val="accent1"/>
+            </a:effectRef>
+            <a:fontRef idx="minor">
+              <a:schemeClr val="lt1"/>
+            </a:fontRef>
+          </p:style>
+          <p:txBody>
+            <a:bodyPr rtlCol="0" anchor="ctr"/>
+            <a:lstStyle/>
+            <a:p>
+              <a:pPr algn="ctr"/>
+              <a:endParaRPr lang="en-US" dirty="0"/>
+            </a:p>
+          </p:txBody>
+        </p:sp>
+        <p:pic>
+          <p:nvPicPr>
+            <p:cNvPr id="13" name="Picture 12"/>
+            <p:cNvPicPr>
+              <a:picLocks noChangeAspect="1"/>
+            </p:cNvPicPr>
+            <p:nvPr/>
+          </p:nvPicPr>
+          <p:blipFill>
+            <a:blip r:embed="rId2"/>
+            <a:stretch>
+              <a:fillRect/>
+            </a:stretch>
+          </p:blipFill>
+          <p:spPr>
+            <a:xfrm>
+              <a:off x="10834254" y="94913"/>
+              <a:ext cx="908386" cy="908386"/>
+            </a:xfrm>
+            <a:prstGeom prst="roundRect">
+              <a:avLst>
+                <a:gd name="adj" fmla="val 16667"/>
+              </a:avLst>
+            </a:prstGeom>
+            <a:ln>
+              <a:noFill/>
+            </a:ln>
+            <a:effectLst>
+              <a:outerShdw blurRad="76200" dist="38100" dir="7800000" algn="tl" rotWithShape="0">
+                <a:srgbClr val="000000">
+                  <a:alpha val="40000"/>
+                </a:srgbClr>
+              </a:outerShdw>
+            </a:effectLst>
+            <a:scene3d>
+              <a:camera prst="orthographicFront"/>
+              <a:lightRig rig="contrasting" dir="t">
+                <a:rot lat="0" lon="0" rev="4200000"/>
+              </a:lightRig>
+            </a:scene3d>
+            <a:sp3d prstMaterial="plastic">
+              <a:bevelT w="381000" h="114300" prst="relaxedInset"/>
+              <a:contourClr>
+                <a:srgbClr val="969696"/>
+              </a:contourClr>
+            </a:sp3d>
+          </p:spPr>
+        </p:pic>
+        <p:sp>
+          <p:nvSpPr>
+            <p:cNvPr id="14" name="TextBox 13"/>
+            <p:cNvSpPr txBox="1"/>
+            <p:nvPr/>
+          </p:nvSpPr>
+          <p:spPr>
+            <a:xfrm>
+              <a:off x="647059" y="160224"/>
+              <a:ext cx="8551315" cy="769441"/>
+            </a:xfrm>
+            <a:prstGeom prst="rect">
+              <a:avLst/>
+            </a:prstGeom>
+            <a:noFill/>
+          </p:spPr>
+          <p:txBody>
+            <a:bodyPr wrap="none" lIns="91440" tIns="45720" rIns="91440" bIns="45720" rtlCol="0" anchor="t">
+              <a:spAutoFit/>
+            </a:bodyPr>
+            <a:lstStyle/>
+            <a:p>
+              <a:r>
+                <a:rPr lang="es-ES" sz="4400" dirty="0">
+                  <a:solidFill>
+                    <a:schemeClr val="bg1"/>
+                  </a:solidFill>
+                </a:rPr>
+                <a:t>Pipeline preprocesado categóricas I</a:t>
+              </a:r>
+              <a:endParaRPr lang="en-US" sz="4400" dirty="0">
+                <a:solidFill>
+                  <a:schemeClr val="bg1"/>
+                </a:solidFill>
+              </a:endParaRPr>
+            </a:p>
+          </p:txBody>
+        </p:sp>
+      </p:grpSp>
+      <p:pic>
+        <p:nvPicPr>
+          <p:cNvPr id="3" name="Imagen 2" descr="Interfaz de usuario gráfica, Texto, Aplicación&#10;&#10;El contenido generado por IA puede ser incorrecto.">
+            <a:extLst>
+              <a:ext uri="{FF2B5EF4-FFF2-40B4-BE49-F238E27FC236}">
+                <a16:creationId xmlns:a16="http://schemas.microsoft.com/office/drawing/2014/main" id="{50A70270-8D0C-A2D4-2461-E661A7728881}"/>
+              </a:ext>
+            </a:extLst>
+          </p:cNvPr>
+          <p:cNvPicPr>
+            <a:picLocks noChangeAspect="1"/>
+          </p:cNvPicPr>
+          <p:nvPr/>
+        </p:nvPicPr>
+        <p:blipFill>
+          <a:blip r:embed="rId3">
+            <a:extLst>
+              <a:ext uri="{28A0092B-C50C-407E-A947-70E740481C1C}">
+                <a14:useLocalDpi xmlns:a14="http://schemas.microsoft.com/office/drawing/2010/main" val="0"/>
+              </a:ext>
+            </a:extLst>
+          </a:blip>
+          <a:stretch>
+            <a:fillRect/>
+          </a:stretch>
+        </p:blipFill>
+        <p:spPr>
+          <a:xfrm>
+            <a:off x="647059" y="2843353"/>
+            <a:ext cx="8611802" cy="2410161"/>
+          </a:xfrm>
+          <a:prstGeom prst="rect">
+            <a:avLst/>
+          </a:prstGeom>
+        </p:spPr>
+      </p:pic>
+      <p:pic>
+        <p:nvPicPr>
+          <p:cNvPr id="5" name="Imagen 4" descr="Interfaz de usuario gráfica, Aplicación, Word&#10;&#10;El contenido generado por IA puede ser incorrecto.">
+            <a:extLst>
+              <a:ext uri="{FF2B5EF4-FFF2-40B4-BE49-F238E27FC236}">
+                <a16:creationId xmlns:a16="http://schemas.microsoft.com/office/drawing/2014/main" id="{D5742A98-BC40-C6EF-40AF-284C9A17F277}"/>
+              </a:ext>
+            </a:extLst>
+          </p:cNvPr>
+          <p:cNvPicPr>
+            <a:picLocks noChangeAspect="1"/>
+          </p:cNvPicPr>
+          <p:nvPr/>
+        </p:nvPicPr>
+        <p:blipFill>
+          <a:blip r:embed="rId4">
+            <a:extLst>
+              <a:ext uri="{28A0092B-C50C-407E-A947-70E740481C1C}">
+                <a14:useLocalDpi xmlns:a14="http://schemas.microsoft.com/office/drawing/2010/main" val="0"/>
+              </a:ext>
+            </a:extLst>
+          </a:blip>
+          <a:stretch>
+            <a:fillRect/>
+          </a:stretch>
+        </p:blipFill>
+        <p:spPr>
+          <a:xfrm>
+            <a:off x="4859921" y="5591515"/>
+            <a:ext cx="6649378" cy="1009791"/>
+          </a:xfrm>
+          <a:prstGeom prst="rect">
+            <a:avLst/>
+          </a:prstGeom>
+        </p:spPr>
+      </p:pic>
+      <p:pic>
+        <p:nvPicPr>
+          <p:cNvPr id="7" name="Imagen 6" descr="Texto&#10;&#10;El contenido generado por IA puede ser incorrecto.">
+            <a:extLst>
+              <a:ext uri="{FF2B5EF4-FFF2-40B4-BE49-F238E27FC236}">
+                <a16:creationId xmlns:a16="http://schemas.microsoft.com/office/drawing/2014/main" id="{EAC7614E-8F74-21AD-76DB-273C1197F86C}"/>
+              </a:ext>
+            </a:extLst>
+          </p:cNvPr>
+          <p:cNvPicPr>
+            <a:picLocks noChangeAspect="1"/>
+          </p:cNvPicPr>
+          <p:nvPr/>
+        </p:nvPicPr>
+        <p:blipFill>
+          <a:blip r:embed="rId5">
+            <a:extLst>
+              <a:ext uri="{28A0092B-C50C-407E-A947-70E740481C1C}">
+                <a14:useLocalDpi xmlns:a14="http://schemas.microsoft.com/office/drawing/2010/main" val="0"/>
+              </a:ext>
+            </a:extLst>
+          </a:blip>
+          <a:stretch>
+            <a:fillRect/>
+          </a:stretch>
+        </p:blipFill>
+        <p:spPr>
+          <a:xfrm>
+            <a:off x="359126" y="1266485"/>
+            <a:ext cx="4972744" cy="1190791"/>
+          </a:xfrm>
+          <a:prstGeom prst="rect">
+            <a:avLst/>
+          </a:prstGeom>
+        </p:spPr>
+      </p:pic>
+    </p:spTree>
+    <p:extLst>
+      <p:ext uri="{BB962C8B-B14F-4D97-AF65-F5344CB8AC3E}">
+        <p14:creationId xmlns:p14="http://schemas.microsoft.com/office/powerpoint/2010/main" val="3627628477"/>
+      </p:ext>
+    </p:extLst>
+  </p:cSld>
+  <p:clrMapOvr>
+    <a:masterClrMapping/>
+  </p:clrMapOvr>
+</p:sld>
+</file>
+
+<file path=ppt/slides/slide7.xml><?xml version="1.0" encoding="utf-8"?>
+<p:sld xmlns:a="http://schemas.openxmlformats.org/drawingml/2006/main" xmlns:r="http://schemas.openxmlformats.org/officeDocument/2006/relationships" xmlns:p="http://schemas.openxmlformats.org/presentationml/2006/main">
+  <p:cSld>
+    <p:spTree>
+      <p:nvGrpSpPr>
         <p:cNvPr id="1" name="">
           <a:extLst>
             <a:ext uri="{FF2B5EF4-FFF2-40B4-BE49-F238E27FC236}">
@@ -5021,7 +5306,7 @@
                     <a:schemeClr val="bg1"/>
                   </a:solidFill>
                 </a:rPr>
-                <a:t>Pipeline preprocesado categóricas I </a:t>
+                <a:t>Pipeline preprocesado categóricas II </a:t>
               </a:r>
               <a:endParaRPr lang="en-US" sz="4400" dirty="0">
                 <a:solidFill>
@@ -5083,291 +5368,6 @@
     <p:extLst>
       <p:ext uri="{BB962C8B-B14F-4D97-AF65-F5344CB8AC3E}">
         <p14:creationId xmlns:p14="http://schemas.microsoft.com/office/powerpoint/2010/main" val="1980447678"/>
-      </p:ext>
-    </p:extLst>
-  </p:cSld>
-  <p:clrMapOvr>
-    <a:masterClrMapping/>
-  </p:clrMapOvr>
-</p:sld>
-</file>
-
-<file path=ppt/slides/slide7.xml><?xml version="1.0" encoding="utf-8"?>
-<p:sld xmlns:a="http://schemas.openxmlformats.org/drawingml/2006/main" xmlns:r="http://schemas.openxmlformats.org/officeDocument/2006/relationships" xmlns:p="http://schemas.openxmlformats.org/presentationml/2006/main">
-  <p:cSld>
-    <p:spTree>
-      <p:nvGrpSpPr>
-        <p:cNvPr id="1" name=""/>
-        <p:cNvGrpSpPr/>
-        <p:nvPr/>
-      </p:nvGrpSpPr>
-      <p:grpSpPr>
-        <a:xfrm>
-          <a:off x="0" y="0"/>
-          <a:ext cx="0" cy="0"/>
-          <a:chOff x="0" y="0"/>
-          <a:chExt cx="0" cy="0"/>
-        </a:xfrm>
-      </p:grpSpPr>
-      <p:grpSp>
-        <p:nvGrpSpPr>
-          <p:cNvPr id="11" name="Group 10"/>
-          <p:cNvGrpSpPr/>
-          <p:nvPr/>
-        </p:nvGrpSpPr>
-        <p:grpSpPr>
-          <a:xfrm>
-            <a:off x="0" y="0"/>
-            <a:ext cx="12192000" cy="1089891"/>
-            <a:chOff x="0" y="0"/>
-            <a:chExt cx="12192000" cy="1089891"/>
-          </a:xfrm>
-        </p:grpSpPr>
-        <p:sp>
-          <p:nvSpPr>
-            <p:cNvPr id="12" name="Rectangle 11"/>
-            <p:cNvSpPr/>
-            <p:nvPr/>
-          </p:nvSpPr>
-          <p:spPr>
-            <a:xfrm>
-              <a:off x="0" y="0"/>
-              <a:ext cx="12192000" cy="1089891"/>
-            </a:xfrm>
-            <a:prstGeom prst="rect">
-              <a:avLst/>
-            </a:prstGeom>
-            <a:solidFill>
-              <a:srgbClr val="84C6B8"/>
-            </a:solidFill>
-            <a:ln>
-              <a:noFill/>
-            </a:ln>
-          </p:spPr>
-          <p:style>
-            <a:lnRef idx="2">
-              <a:schemeClr val="accent1">
-                <a:shade val="50000"/>
-              </a:schemeClr>
-            </a:lnRef>
-            <a:fillRef idx="1">
-              <a:schemeClr val="accent1"/>
-            </a:fillRef>
-            <a:effectRef idx="0">
-              <a:schemeClr val="accent1"/>
-            </a:effectRef>
-            <a:fontRef idx="minor">
-              <a:schemeClr val="lt1"/>
-            </a:fontRef>
-          </p:style>
-          <p:txBody>
-            <a:bodyPr rtlCol="0" anchor="ctr"/>
-            <a:lstStyle/>
-            <a:p>
-              <a:pPr algn="ctr"/>
-              <a:endParaRPr lang="en-US" dirty="0"/>
-            </a:p>
-          </p:txBody>
-        </p:sp>
-        <p:pic>
-          <p:nvPicPr>
-            <p:cNvPr id="13" name="Picture 12"/>
-            <p:cNvPicPr>
-              <a:picLocks noChangeAspect="1"/>
-            </p:cNvPicPr>
-            <p:nvPr/>
-          </p:nvPicPr>
-          <p:blipFill>
-            <a:blip r:embed="rId2"/>
-            <a:stretch>
-              <a:fillRect/>
-            </a:stretch>
-          </p:blipFill>
-          <p:spPr>
-            <a:xfrm>
-              <a:off x="10834254" y="94913"/>
-              <a:ext cx="908386" cy="908386"/>
-            </a:xfrm>
-            <a:prstGeom prst="roundRect">
-              <a:avLst>
-                <a:gd name="adj" fmla="val 16667"/>
-              </a:avLst>
-            </a:prstGeom>
-            <a:ln>
-              <a:noFill/>
-            </a:ln>
-            <a:effectLst>
-              <a:outerShdw blurRad="76200" dist="38100" dir="7800000" algn="tl" rotWithShape="0">
-                <a:srgbClr val="000000">
-                  <a:alpha val="40000"/>
-                </a:srgbClr>
-              </a:outerShdw>
-            </a:effectLst>
-            <a:scene3d>
-              <a:camera prst="orthographicFront"/>
-              <a:lightRig rig="contrasting" dir="t">
-                <a:rot lat="0" lon="0" rev="4200000"/>
-              </a:lightRig>
-            </a:scene3d>
-            <a:sp3d prstMaterial="plastic">
-              <a:bevelT w="381000" h="114300" prst="relaxedInset"/>
-              <a:contourClr>
-                <a:srgbClr val="969696"/>
-              </a:contourClr>
-            </a:sp3d>
-          </p:spPr>
-        </p:pic>
-        <p:sp>
-          <p:nvSpPr>
-            <p:cNvPr id="14" name="TextBox 13"/>
-            <p:cNvSpPr txBox="1"/>
-            <p:nvPr/>
-          </p:nvSpPr>
-          <p:spPr>
-            <a:xfrm>
-              <a:off x="647059" y="160224"/>
-              <a:ext cx="8551315" cy="769441"/>
-            </a:xfrm>
-            <a:prstGeom prst="rect">
-              <a:avLst/>
-            </a:prstGeom>
-            <a:noFill/>
-          </p:spPr>
-          <p:txBody>
-            <a:bodyPr wrap="none" lIns="91440" tIns="45720" rIns="91440" bIns="45720" rtlCol="0" anchor="t">
-              <a:spAutoFit/>
-            </a:bodyPr>
-            <a:lstStyle/>
-            <a:p>
-              <a:r>
-                <a:rPr lang="es-ES" sz="4400" dirty="0">
-                  <a:solidFill>
-                    <a:schemeClr val="bg1"/>
-                  </a:solidFill>
-                </a:rPr>
-                <a:t>Pipeline preprocesado categóricas II</a:t>
-              </a:r>
-              <a:endParaRPr lang="en-US" sz="4400" dirty="0">
-                <a:solidFill>
-                  <a:schemeClr val="bg1"/>
-                </a:solidFill>
-              </a:endParaRPr>
-            </a:p>
-          </p:txBody>
-        </p:sp>
-      </p:grpSp>
-      <p:pic>
-        <p:nvPicPr>
-          <p:cNvPr id="3" name="Imagen 2" descr="Interfaz de usuario gráfica, Texto, Aplicación&#10;&#10;El contenido generado por IA puede ser incorrecto.">
-            <a:extLst>
-              <a:ext uri="{FF2B5EF4-FFF2-40B4-BE49-F238E27FC236}">
-                <a16:creationId xmlns:a16="http://schemas.microsoft.com/office/drawing/2014/main" id="{50A70270-8D0C-A2D4-2461-E661A7728881}"/>
-              </a:ext>
-            </a:extLst>
-          </p:cNvPr>
-          <p:cNvPicPr>
-            <a:picLocks noChangeAspect="1"/>
-          </p:cNvPicPr>
-          <p:nvPr/>
-        </p:nvPicPr>
-        <p:blipFill>
-          <a:blip r:embed="rId3">
-            <a:extLst>
-              <a:ext uri="{28A0092B-C50C-407E-A947-70E740481C1C}">
-                <a14:useLocalDpi xmlns:a14="http://schemas.microsoft.com/office/drawing/2010/main" val="0"/>
-              </a:ext>
-            </a:extLst>
-          </a:blip>
-          <a:stretch>
-            <a:fillRect/>
-          </a:stretch>
-        </p:blipFill>
-        <p:spPr>
-          <a:xfrm>
-            <a:off x="647059" y="2843353"/>
-            <a:ext cx="8611802" cy="2410161"/>
-          </a:xfrm>
-          <a:prstGeom prst="rect">
-            <a:avLst/>
-          </a:prstGeom>
-        </p:spPr>
-      </p:pic>
-      <p:pic>
-        <p:nvPicPr>
-          <p:cNvPr id="5" name="Imagen 4" descr="Interfaz de usuario gráfica, Aplicación, Word&#10;&#10;El contenido generado por IA puede ser incorrecto.">
-            <a:extLst>
-              <a:ext uri="{FF2B5EF4-FFF2-40B4-BE49-F238E27FC236}">
-                <a16:creationId xmlns:a16="http://schemas.microsoft.com/office/drawing/2014/main" id="{D5742A98-BC40-C6EF-40AF-284C9A17F277}"/>
-              </a:ext>
-            </a:extLst>
-          </p:cNvPr>
-          <p:cNvPicPr>
-            <a:picLocks noChangeAspect="1"/>
-          </p:cNvPicPr>
-          <p:nvPr/>
-        </p:nvPicPr>
-        <p:blipFill>
-          <a:blip r:embed="rId4">
-            <a:extLst>
-              <a:ext uri="{28A0092B-C50C-407E-A947-70E740481C1C}">
-                <a14:useLocalDpi xmlns:a14="http://schemas.microsoft.com/office/drawing/2010/main" val="0"/>
-              </a:ext>
-            </a:extLst>
-          </a:blip>
-          <a:stretch>
-            <a:fillRect/>
-          </a:stretch>
-        </p:blipFill>
-        <p:spPr>
-          <a:xfrm>
-            <a:off x="4859921" y="5591515"/>
-            <a:ext cx="6649378" cy="1009791"/>
-          </a:xfrm>
-          <a:prstGeom prst="rect">
-            <a:avLst/>
-          </a:prstGeom>
-        </p:spPr>
-      </p:pic>
-      <p:pic>
-        <p:nvPicPr>
-          <p:cNvPr id="7" name="Imagen 6" descr="Texto&#10;&#10;El contenido generado por IA puede ser incorrecto.">
-            <a:extLst>
-              <a:ext uri="{FF2B5EF4-FFF2-40B4-BE49-F238E27FC236}">
-                <a16:creationId xmlns:a16="http://schemas.microsoft.com/office/drawing/2014/main" id="{EAC7614E-8F74-21AD-76DB-273C1197F86C}"/>
-              </a:ext>
-            </a:extLst>
-          </p:cNvPr>
-          <p:cNvPicPr>
-            <a:picLocks noChangeAspect="1"/>
-          </p:cNvPicPr>
-          <p:nvPr/>
-        </p:nvPicPr>
-        <p:blipFill>
-          <a:blip r:embed="rId5">
-            <a:extLst>
-              <a:ext uri="{28A0092B-C50C-407E-A947-70E740481C1C}">
-                <a14:useLocalDpi xmlns:a14="http://schemas.microsoft.com/office/drawing/2010/main" val="0"/>
-              </a:ext>
-            </a:extLst>
-          </a:blip>
-          <a:stretch>
-            <a:fillRect/>
-          </a:stretch>
-        </p:blipFill>
-        <p:spPr>
-          <a:xfrm>
-            <a:off x="359126" y="1266485"/>
-            <a:ext cx="4972744" cy="1190791"/>
-          </a:xfrm>
-          <a:prstGeom prst="rect">
-            <a:avLst/>
-          </a:prstGeom>
-        </p:spPr>
-      </p:pic>
-    </p:spTree>
-    <p:extLst>
-      <p:ext uri="{BB962C8B-B14F-4D97-AF65-F5344CB8AC3E}">
-        <p14:creationId xmlns:p14="http://schemas.microsoft.com/office/powerpoint/2010/main" val="3627628477"/>
       </p:ext>
     </p:extLst>
   </p:cSld>
